--- a/tractor_jd_425.pptx
+++ b/tractor_jd_425.pptx
@@ -10,6 +10,7 @@
     <p:sldId id="279" r:id="rId4"/>
     <p:sldId id="280" r:id="rId5"/>
     <p:sldId id="281" r:id="rId6"/>
+    <p:sldId id="282" r:id="rId7"/>
   </p:sldIdLst>
   <p:sldSz cx="12192000" cy="6858000"/>
   <p:notesSz cx="6858000" cy="9144000"/>
@@ -7555,6 +7556,673 @@
 </p:sld>
 </file>
 
+<file path=ppt/slides/slide6.xml><?xml version="1.0" encoding="utf-8"?>
+<p:sld xmlns:a="http://schemas.openxmlformats.org/drawingml/2006/main" xmlns:r="http://schemas.openxmlformats.org/officeDocument/2006/relationships" xmlns:p="http://schemas.openxmlformats.org/presentationml/2006/main">
+  <p:cSld>
+    <p:spTree>
+      <p:nvGrpSpPr>
+        <p:cNvPr id="1" name="">
+          <a:extLst>
+            <a:ext uri="{FF2B5EF4-FFF2-40B4-BE49-F238E27FC236}">
+              <a16:creationId xmlns:a16="http://schemas.microsoft.com/office/drawing/2014/main" id="{C69DFF58-FBBF-53F0-A28B-B37995B4784E}"/>
+            </a:ext>
+          </a:extLst>
+        </p:cNvPr>
+        <p:cNvGrpSpPr/>
+        <p:nvPr/>
+      </p:nvGrpSpPr>
+      <p:grpSpPr>
+        <a:xfrm>
+          <a:off x="0" y="0"/>
+          <a:ext cx="0" cy="0"/>
+          <a:chOff x="0" y="0"/>
+          <a:chExt cx="0" cy="0"/>
+        </a:xfrm>
+      </p:grpSpPr>
+      <p:sp>
+        <p:nvSpPr>
+          <p:cNvPr id="2" name="TextBox 1">
+            <a:extLst>
+              <a:ext uri="{FF2B5EF4-FFF2-40B4-BE49-F238E27FC236}">
+                <a16:creationId xmlns:a16="http://schemas.microsoft.com/office/drawing/2014/main" id="{2EB671DF-9B83-58E4-1589-582DFF8EC478}"/>
+              </a:ext>
+            </a:extLst>
+          </p:cNvPr>
+          <p:cNvSpPr txBox="1"/>
+          <p:nvPr/>
+        </p:nvSpPr>
+        <p:spPr>
+          <a:xfrm>
+            <a:off x="168166" y="111093"/>
+            <a:ext cx="4117119" cy="523220"/>
+          </a:xfrm>
+          <a:prstGeom prst="rect">
+            <a:avLst/>
+          </a:prstGeom>
+          <a:noFill/>
+        </p:spPr>
+        <p:txBody>
+          <a:bodyPr wrap="square" rtlCol="0">
+            <a:spAutoFit/>
+          </a:bodyPr>
+          <a:lstStyle/>
+          <a:p>
+            <a:r>
+              <a:rPr lang="en-US" sz="2800" b="1" dirty="0"/>
+              <a:t>Modern JD Loan Tractors</a:t>
+            </a:r>
+          </a:p>
+        </p:txBody>
+      </p:sp>
+      <p:sp>
+        <p:nvSpPr>
+          <p:cNvPr id="31" name="TextBox 30">
+            <a:extLst>
+              <a:ext uri="{FF2B5EF4-FFF2-40B4-BE49-F238E27FC236}">
+                <a16:creationId xmlns:a16="http://schemas.microsoft.com/office/drawing/2014/main" id="{2BA9A503-459B-12FC-6EA2-5A8EA16297E2}"/>
+              </a:ext>
+            </a:extLst>
+          </p:cNvPr>
+          <p:cNvSpPr txBox="1"/>
+          <p:nvPr/>
+        </p:nvSpPr>
+        <p:spPr>
+          <a:xfrm>
+            <a:off x="241741" y="634313"/>
+            <a:ext cx="3741680" cy="276999"/>
+          </a:xfrm>
+          <a:prstGeom prst="rect">
+            <a:avLst/>
+          </a:prstGeom>
+          <a:noFill/>
+        </p:spPr>
+        <p:txBody>
+          <a:bodyPr wrap="square" rtlCol="0">
+            <a:spAutoFit/>
+          </a:bodyPr>
+          <a:lstStyle/>
+          <a:p>
+            <a:pPr algn="ctr"/>
+            <a:r>
+              <a:rPr lang="en-US" sz="1200" dirty="0">
+                <a:hlinkClick r:id="rId2"/>
+              </a:rPr>
+              <a:t>https://</a:t>
+            </a:r>
+            <a:r>
+              <a:rPr lang="en-US" sz="1200" dirty="0" err="1">
+                <a:hlinkClick r:id="rId2"/>
+              </a:rPr>
+              <a:t>www.deere.com</a:t>
+            </a:r>
+            <a:r>
+              <a:rPr lang="en-US" sz="1200" dirty="0">
+                <a:hlinkClick r:id="rId2"/>
+              </a:rPr>
+              <a:t>/</a:t>
+            </a:r>
+            <a:r>
+              <a:rPr lang="en-US" sz="1200" dirty="0" err="1">
+                <a:hlinkClick r:id="rId2"/>
+              </a:rPr>
+              <a:t>en</a:t>
+            </a:r>
+            <a:r>
+              <a:rPr lang="en-US" sz="1200" dirty="0">
+                <a:hlinkClick r:id="rId2"/>
+              </a:rPr>
+              <a:t>/mowers/lawn-tractors/</a:t>
+            </a:r>
+            <a:endParaRPr lang="en-US" sz="1200" dirty="0"/>
+          </a:p>
+        </p:txBody>
+      </p:sp>
+      <p:pic>
+        <p:nvPicPr>
+          <p:cNvPr id="1026" name="Picture 2" descr="studio image of the S100 Series lawn mower">
+            <a:extLst>
+              <a:ext uri="{FF2B5EF4-FFF2-40B4-BE49-F238E27FC236}">
+                <a16:creationId xmlns:a16="http://schemas.microsoft.com/office/drawing/2014/main" id="{A4E09826-02EB-A97D-A609-B18C5511BF4C}"/>
+              </a:ext>
+            </a:extLst>
+          </p:cNvPr>
+          <p:cNvPicPr>
+            <a:picLocks noChangeAspect="1" noChangeArrowheads="1"/>
+          </p:cNvPicPr>
+          <p:nvPr/>
+        </p:nvPicPr>
+        <p:blipFill>
+          <a:blip r:embed="rId3" cstate="email">
+            <a:extLst>
+              <a:ext uri="{28A0092B-C50C-407E-A947-70E740481C1C}">
+                <a14:useLocalDpi xmlns:a14="http://schemas.microsoft.com/office/drawing/2010/main"/>
+              </a:ext>
+            </a:extLst>
+          </a:blip>
+          <a:srcRect/>
+          <a:stretch>
+            <a:fillRect/>
+          </a:stretch>
+        </p:blipFill>
+        <p:spPr bwMode="auto">
+          <a:xfrm>
+            <a:off x="1765100" y="1444030"/>
+            <a:ext cx="2049204" cy="1152977"/>
+          </a:xfrm>
+          <a:prstGeom prst="rect">
+            <a:avLst/>
+          </a:prstGeom>
+          <a:noFill/>
+          <a:extLst>
+            <a:ext uri="{909E8E84-426E-40DD-AFC4-6F175D3DCCD1}">
+              <a14:hiddenFill xmlns:a14="http://schemas.microsoft.com/office/drawing/2010/main">
+                <a:solidFill>
+                  <a:srgbClr val="FFFFFF"/>
+                </a:solidFill>
+              </a14:hiddenFill>
+            </a:ext>
+          </a:extLst>
+        </p:spPr>
+      </p:pic>
+      <p:sp>
+        <p:nvSpPr>
+          <p:cNvPr id="7" name="TextBox 6">
+            <a:extLst>
+              <a:ext uri="{FF2B5EF4-FFF2-40B4-BE49-F238E27FC236}">
+                <a16:creationId xmlns:a16="http://schemas.microsoft.com/office/drawing/2014/main" id="{FF534CAE-D169-9E26-0F8D-601355DD9B78}"/>
+              </a:ext>
+            </a:extLst>
+          </p:cNvPr>
+          <p:cNvSpPr txBox="1"/>
+          <p:nvPr/>
+        </p:nvSpPr>
+        <p:spPr>
+          <a:xfrm>
+            <a:off x="415160" y="1713620"/>
+            <a:ext cx="1329558" cy="646331"/>
+          </a:xfrm>
+          <a:prstGeom prst="rect">
+            <a:avLst/>
+          </a:prstGeom>
+          <a:noFill/>
+        </p:spPr>
+        <p:txBody>
+          <a:bodyPr wrap="square" rtlCol="0">
+            <a:spAutoFit/>
+          </a:bodyPr>
+          <a:lstStyle/>
+          <a:p>
+            <a:r>
+              <a:rPr lang="en-US" sz="1200" b="1" dirty="0"/>
+              <a:t>Series S100</a:t>
+            </a:r>
+          </a:p>
+          <a:p>
+            <a:r>
+              <a:rPr lang="en-US" sz="1200" b="1" dirty="0"/>
+              <a:t>42,48,54" wide</a:t>
+            </a:r>
+            <a:endParaRPr lang="en-US" sz="1200" b="1" dirty="0">
+              <a:solidFill>
+                <a:srgbClr val="FF0000"/>
+              </a:solidFill>
+            </a:endParaRPr>
+          </a:p>
+          <a:p>
+            <a:r>
+              <a:rPr lang="en-US" sz="1200" b="1" dirty="0">
+                <a:solidFill>
+                  <a:srgbClr val="FF0000"/>
+                </a:solidFill>
+              </a:rPr>
+              <a:t>~$2.4 - $3.6K</a:t>
+            </a:r>
+          </a:p>
+        </p:txBody>
+      </p:sp>
+      <p:sp>
+        <p:nvSpPr>
+          <p:cNvPr id="9" name="TextBox 8">
+            <a:extLst>
+              <a:ext uri="{FF2B5EF4-FFF2-40B4-BE49-F238E27FC236}">
+                <a16:creationId xmlns:a16="http://schemas.microsoft.com/office/drawing/2014/main" id="{42C34B3C-8F87-D0A7-0EE5-06FBF377BD4D}"/>
+              </a:ext>
+            </a:extLst>
+          </p:cNvPr>
+          <p:cNvSpPr txBox="1"/>
+          <p:nvPr/>
+        </p:nvSpPr>
+        <p:spPr>
+          <a:xfrm>
+            <a:off x="415160" y="3439910"/>
+            <a:ext cx="1329558" cy="646331"/>
+          </a:xfrm>
+          <a:prstGeom prst="rect">
+            <a:avLst/>
+          </a:prstGeom>
+          <a:noFill/>
+        </p:spPr>
+        <p:txBody>
+          <a:bodyPr wrap="square" rtlCol="0">
+            <a:spAutoFit/>
+          </a:bodyPr>
+          <a:lstStyle/>
+          <a:p>
+            <a:r>
+              <a:rPr lang="en-US" sz="1200" b="1" dirty="0"/>
+              <a:t>Series S200</a:t>
+            </a:r>
+          </a:p>
+          <a:p>
+            <a:r>
+              <a:rPr lang="en-US" sz="1200" b="1" dirty="0"/>
+              <a:t>42,48 wide</a:t>
+            </a:r>
+            <a:endParaRPr lang="en-US" sz="1200" b="1" dirty="0">
+              <a:solidFill>
+                <a:srgbClr val="FF0000"/>
+              </a:solidFill>
+            </a:endParaRPr>
+          </a:p>
+          <a:p>
+            <a:r>
+              <a:rPr lang="en-US" sz="1200" b="1" dirty="0">
+                <a:solidFill>
+                  <a:srgbClr val="FF0000"/>
+                </a:solidFill>
+              </a:rPr>
+              <a:t>~$3.3-3.7K</a:t>
+            </a:r>
+          </a:p>
+        </p:txBody>
+      </p:sp>
+      <p:sp>
+        <p:nvSpPr>
+          <p:cNvPr id="26" name="TextBox 25">
+            <a:extLst>
+              <a:ext uri="{FF2B5EF4-FFF2-40B4-BE49-F238E27FC236}">
+                <a16:creationId xmlns:a16="http://schemas.microsoft.com/office/drawing/2014/main" id="{11F18853-6F05-460E-4BFE-3121530005FE}"/>
+              </a:ext>
+            </a:extLst>
+          </p:cNvPr>
+          <p:cNvSpPr txBox="1"/>
+          <p:nvPr/>
+        </p:nvSpPr>
+        <p:spPr>
+          <a:xfrm>
+            <a:off x="394139" y="5100718"/>
+            <a:ext cx="1329558" cy="646331"/>
+          </a:xfrm>
+          <a:prstGeom prst="rect">
+            <a:avLst/>
+          </a:prstGeom>
+          <a:noFill/>
+        </p:spPr>
+        <p:txBody>
+          <a:bodyPr wrap="square" rtlCol="0">
+            <a:spAutoFit/>
+          </a:bodyPr>
+          <a:lstStyle/>
+          <a:p>
+            <a:r>
+              <a:rPr lang="en-US" sz="1200" b="1" dirty="0"/>
+              <a:t>Series X300</a:t>
+            </a:r>
+          </a:p>
+          <a:p>
+            <a:r>
+              <a:rPr lang="en-US" sz="1200" b="1" dirty="0"/>
+              <a:t>42,48" wide</a:t>
+            </a:r>
+            <a:endParaRPr lang="en-US" sz="1200" b="1" dirty="0">
+              <a:solidFill>
+                <a:srgbClr val="FF0000"/>
+              </a:solidFill>
+            </a:endParaRPr>
+          </a:p>
+          <a:p>
+            <a:r>
+              <a:rPr lang="en-US" sz="1200" b="1" dirty="0">
+                <a:solidFill>
+                  <a:srgbClr val="FF0000"/>
+                </a:solidFill>
+              </a:rPr>
+              <a:t>~$3.6K - $7.3K</a:t>
+            </a:r>
+          </a:p>
+        </p:txBody>
+      </p:sp>
+      <p:sp>
+        <p:nvSpPr>
+          <p:cNvPr id="32" name="TextBox 31">
+            <a:extLst>
+              <a:ext uri="{FF2B5EF4-FFF2-40B4-BE49-F238E27FC236}">
+                <a16:creationId xmlns:a16="http://schemas.microsoft.com/office/drawing/2014/main" id="{10975E79-6DE1-02AC-0D61-FC672484C923}"/>
+              </a:ext>
+            </a:extLst>
+          </p:cNvPr>
+          <p:cNvSpPr txBox="1"/>
+          <p:nvPr/>
+        </p:nvSpPr>
+        <p:spPr>
+          <a:xfrm>
+            <a:off x="8105065" y="1390454"/>
+            <a:ext cx="1329558" cy="646331"/>
+          </a:xfrm>
+          <a:prstGeom prst="rect">
+            <a:avLst/>
+          </a:prstGeom>
+          <a:noFill/>
+        </p:spPr>
+        <p:txBody>
+          <a:bodyPr wrap="square" rtlCol="0">
+            <a:spAutoFit/>
+          </a:bodyPr>
+          <a:lstStyle/>
+          <a:p>
+            <a:r>
+              <a:rPr lang="en-US" sz="1200" b="1" dirty="0"/>
+              <a:t>Series X500</a:t>
+            </a:r>
+          </a:p>
+          <a:p>
+            <a:r>
+              <a:rPr lang="en-US" sz="1200" b="1" dirty="0"/>
+              <a:t>48,54" wide</a:t>
+            </a:r>
+            <a:endParaRPr lang="en-US" sz="1200" b="1" dirty="0">
+              <a:solidFill>
+                <a:srgbClr val="FF0000"/>
+              </a:solidFill>
+            </a:endParaRPr>
+          </a:p>
+          <a:p>
+            <a:r>
+              <a:rPr lang="en-US" sz="1200" b="1" dirty="0">
+                <a:solidFill>
+                  <a:srgbClr val="FF0000"/>
+                </a:solidFill>
+              </a:rPr>
+              <a:t>$7.5K - $10K</a:t>
+            </a:r>
+          </a:p>
+        </p:txBody>
+      </p:sp>
+      <p:sp>
+        <p:nvSpPr>
+          <p:cNvPr id="33" name="TextBox 32">
+            <a:extLst>
+              <a:ext uri="{FF2B5EF4-FFF2-40B4-BE49-F238E27FC236}">
+                <a16:creationId xmlns:a16="http://schemas.microsoft.com/office/drawing/2014/main" id="{9596110B-1807-2D74-947E-F0BDFACFC94E}"/>
+              </a:ext>
+            </a:extLst>
+          </p:cNvPr>
+          <p:cNvSpPr txBox="1"/>
+          <p:nvPr/>
+        </p:nvSpPr>
+        <p:spPr>
+          <a:xfrm>
+            <a:off x="8069317" y="3675830"/>
+            <a:ext cx="1844565" cy="1200329"/>
+          </a:xfrm>
+          <a:prstGeom prst="rect">
+            <a:avLst/>
+          </a:prstGeom>
+          <a:noFill/>
+        </p:spPr>
+        <p:txBody>
+          <a:bodyPr wrap="square" rtlCol="0">
+            <a:spAutoFit/>
+          </a:bodyPr>
+          <a:lstStyle/>
+          <a:p>
+            <a:pPr algn="l"/>
+            <a:r>
+              <a:rPr lang="en-US" sz="1200" b="1" i="0" dirty="0">
+                <a:effectLst/>
+                <a:latin typeface="jd_sans_probold"/>
+              </a:rPr>
+              <a:t>X700 Signature Series</a:t>
+            </a:r>
+          </a:p>
+          <a:p>
+            <a:r>
+              <a:rPr lang="en-US" sz="1200" b="1" dirty="0"/>
+              <a:t>48,54, 60" wide</a:t>
+            </a:r>
+          </a:p>
+          <a:p>
+            <a:r>
+              <a:rPr lang="en-US" sz="1200" b="1" dirty="0"/>
+              <a:t>gas or diesel</a:t>
+            </a:r>
+          </a:p>
+          <a:p>
+            <a:r>
+              <a:rPr lang="en-US" sz="1200" b="1" dirty="0"/>
+              <a:t>2 or 4-wheel drive</a:t>
+            </a:r>
+          </a:p>
+          <a:p>
+            <a:r>
+              <a:rPr lang="en-US" sz="1200" b="1" dirty="0">
+                <a:solidFill>
+                  <a:srgbClr val="FF0000"/>
+                </a:solidFill>
+              </a:rPr>
+              <a:t>~$14K - $17K</a:t>
+            </a:r>
+            <a:endParaRPr lang="en-US" sz="1200" b="1" dirty="0"/>
+          </a:p>
+          <a:p>
+            <a:r>
+              <a:rPr lang="en-US" sz="1200" b="1" dirty="0"/>
+              <a:t>Best: X758, $17K </a:t>
+            </a:r>
+          </a:p>
+        </p:txBody>
+      </p:sp>
+      <p:pic>
+        <p:nvPicPr>
+          <p:cNvPr id="34" name="Picture 4" descr="studio rendering of a Z730">
+            <a:extLst>
+              <a:ext uri="{FF2B5EF4-FFF2-40B4-BE49-F238E27FC236}">
+                <a16:creationId xmlns:a16="http://schemas.microsoft.com/office/drawing/2014/main" id="{6D1404CB-EFA6-7EF7-66C7-8DF2F1AB786C}"/>
+              </a:ext>
+            </a:extLst>
+          </p:cNvPr>
+          <p:cNvPicPr>
+            <a:picLocks noChangeAspect="1" noChangeArrowheads="1"/>
+          </p:cNvPicPr>
+          <p:nvPr/>
+        </p:nvPicPr>
+        <p:blipFill>
+          <a:blip r:embed="rId4" cstate="email">
+            <a:extLst>
+              <a:ext uri="{28A0092B-C50C-407E-A947-70E740481C1C}">
+                <a14:useLocalDpi xmlns:a14="http://schemas.microsoft.com/office/drawing/2010/main"/>
+              </a:ext>
+            </a:extLst>
+          </a:blip>
+          <a:srcRect/>
+          <a:stretch>
+            <a:fillRect/>
+          </a:stretch>
+        </p:blipFill>
+        <p:spPr bwMode="auto">
+          <a:xfrm>
+            <a:off x="9594277" y="3583472"/>
+            <a:ext cx="2461665" cy="1385047"/>
+          </a:xfrm>
+          <a:prstGeom prst="rect">
+            <a:avLst/>
+          </a:prstGeom>
+          <a:noFill/>
+          <a:extLst>
+            <a:ext uri="{909E8E84-426E-40DD-AFC4-6F175D3DCCD1}">
+              <a14:hiddenFill xmlns:a14="http://schemas.microsoft.com/office/drawing/2010/main">
+                <a:solidFill>
+                  <a:srgbClr val="FFFFFF"/>
+                </a:solidFill>
+              </a14:hiddenFill>
+            </a:ext>
+          </a:extLst>
+        </p:spPr>
+      </p:pic>
+      <p:pic>
+        <p:nvPicPr>
+          <p:cNvPr id="1030" name="Picture 6" descr="X590 Multi-Terrain Tractor, 54-inch deck">
+            <a:extLst>
+              <a:ext uri="{FF2B5EF4-FFF2-40B4-BE49-F238E27FC236}">
+                <a16:creationId xmlns:a16="http://schemas.microsoft.com/office/drawing/2014/main" id="{BAEA44D2-FDA6-2AB1-4EE0-5AE054D153ED}"/>
+              </a:ext>
+            </a:extLst>
+          </p:cNvPr>
+          <p:cNvPicPr>
+            <a:picLocks noChangeAspect="1" noChangeArrowheads="1"/>
+          </p:cNvPicPr>
+          <p:nvPr/>
+        </p:nvPicPr>
+        <p:blipFill>
+          <a:blip r:embed="rId5" cstate="email">
+            <a:extLst>
+              <a:ext uri="{28A0092B-C50C-407E-A947-70E740481C1C}">
+                <a14:useLocalDpi xmlns:a14="http://schemas.microsoft.com/office/drawing/2010/main"/>
+              </a:ext>
+            </a:extLst>
+          </a:blip>
+          <a:srcRect/>
+          <a:stretch>
+            <a:fillRect/>
+          </a:stretch>
+        </p:blipFill>
+        <p:spPr bwMode="auto">
+          <a:xfrm>
+            <a:off x="10016357" y="1251986"/>
+            <a:ext cx="1329558" cy="1107965"/>
+          </a:xfrm>
+          <a:prstGeom prst="rect">
+            <a:avLst/>
+          </a:prstGeom>
+          <a:noFill/>
+          <a:extLst>
+            <a:ext uri="{909E8E84-426E-40DD-AFC4-6F175D3DCCD1}">
+              <a14:hiddenFill xmlns:a14="http://schemas.microsoft.com/office/drawing/2010/main">
+                <a:solidFill>
+                  <a:srgbClr val="FFFFFF"/>
+                </a:solidFill>
+              </a14:hiddenFill>
+            </a:ext>
+          </a:extLst>
+        </p:spPr>
+      </p:pic>
+      <p:pic>
+        <p:nvPicPr>
+          <p:cNvPr id="1032" name="Picture 8" descr="X394 Tractor, 48-inch deck">
+            <a:extLst>
+              <a:ext uri="{FF2B5EF4-FFF2-40B4-BE49-F238E27FC236}">
+                <a16:creationId xmlns:a16="http://schemas.microsoft.com/office/drawing/2014/main" id="{FAF03351-F41D-4B23-AF1B-814459C202A0}"/>
+              </a:ext>
+            </a:extLst>
+          </p:cNvPr>
+          <p:cNvPicPr>
+            <a:picLocks noChangeAspect="1" noChangeArrowheads="1"/>
+          </p:cNvPicPr>
+          <p:nvPr/>
+        </p:nvPicPr>
+        <p:blipFill>
+          <a:blip r:embed="rId6" cstate="email">
+            <a:extLst>
+              <a:ext uri="{28A0092B-C50C-407E-A947-70E740481C1C}">
+                <a14:useLocalDpi xmlns:a14="http://schemas.microsoft.com/office/drawing/2010/main"/>
+              </a:ext>
+            </a:extLst>
+          </a:blip>
+          <a:srcRect/>
+          <a:stretch>
+            <a:fillRect/>
+          </a:stretch>
+        </p:blipFill>
+        <p:spPr bwMode="auto">
+          <a:xfrm>
+            <a:off x="2037733" y="4916049"/>
+            <a:ext cx="1503939" cy="1217474"/>
+          </a:xfrm>
+          <a:prstGeom prst="rect">
+            <a:avLst/>
+          </a:prstGeom>
+          <a:noFill/>
+          <a:extLst>
+            <a:ext uri="{909E8E84-426E-40DD-AFC4-6F175D3DCCD1}">
+              <a14:hiddenFill xmlns:a14="http://schemas.microsoft.com/office/drawing/2010/main">
+                <a:solidFill>
+                  <a:srgbClr val="FFFFFF"/>
+                </a:solidFill>
+              </a14:hiddenFill>
+            </a:ext>
+          </a:extLst>
+        </p:spPr>
+      </p:pic>
+      <p:pic>
+        <p:nvPicPr>
+          <p:cNvPr id="1034" name="Picture 10" descr="Studio image of a S240 with 48-in. Deck">
+            <a:extLst>
+              <a:ext uri="{FF2B5EF4-FFF2-40B4-BE49-F238E27FC236}">
+                <a16:creationId xmlns:a16="http://schemas.microsoft.com/office/drawing/2014/main" id="{E0531D71-6031-F709-1C0E-C99B6B672577}"/>
+              </a:ext>
+            </a:extLst>
+          </p:cNvPr>
+          <p:cNvPicPr>
+            <a:picLocks noChangeAspect="1" noChangeArrowheads="1"/>
+          </p:cNvPicPr>
+          <p:nvPr/>
+        </p:nvPicPr>
+        <p:blipFill>
+          <a:blip r:embed="rId7" cstate="email">
+            <a:extLst>
+              <a:ext uri="{28A0092B-C50C-407E-A947-70E740481C1C}">
+                <a14:useLocalDpi xmlns:a14="http://schemas.microsoft.com/office/drawing/2010/main"/>
+              </a:ext>
+            </a:extLst>
+          </a:blip>
+          <a:srcRect/>
+          <a:stretch>
+            <a:fillRect/>
+          </a:stretch>
+        </p:blipFill>
+        <p:spPr bwMode="auto">
+          <a:xfrm>
+            <a:off x="1689149" y="2999982"/>
+            <a:ext cx="2133364" cy="1200330"/>
+          </a:xfrm>
+          <a:prstGeom prst="rect">
+            <a:avLst/>
+          </a:prstGeom>
+          <a:noFill/>
+          <a:extLst>
+            <a:ext uri="{909E8E84-426E-40DD-AFC4-6F175D3DCCD1}">
+              <a14:hiddenFill xmlns:a14="http://schemas.microsoft.com/office/drawing/2010/main">
+                <a:solidFill>
+                  <a:srgbClr val="FFFFFF"/>
+                </a:solidFill>
+              </a14:hiddenFill>
+            </a:ext>
+          </a:extLst>
+        </p:spPr>
+      </p:pic>
+    </p:spTree>
+    <p:extLst>
+      <p:ext uri="{BB962C8B-B14F-4D97-AF65-F5344CB8AC3E}">
+        <p14:creationId xmlns:p14="http://schemas.microsoft.com/office/powerpoint/2010/main" val="3886189577"/>
+      </p:ext>
+    </p:extLst>
+  </p:cSld>
+  <p:clrMapOvr>
+    <a:masterClrMapping/>
+  </p:clrMapOvr>
+</p:sld>
+</file>
+
 <file path=ppt/theme/theme1.xml><?xml version="1.0" encoding="utf-8"?>
 <a:theme xmlns:a="http://schemas.openxmlformats.org/drawingml/2006/main" name="Office Theme">
   <a:themeElements>

--- a/tractor_jd_425.pptx
+++ b/tractor_jd_425.pptx
@@ -7691,7 +7691,7 @@
           </p:cNvPicPr>
           <p:nvPr/>
         </p:nvPicPr>
-        <p:blipFill>
+        <p:blipFill rotWithShape="1">
           <a:blip r:embed="rId3" cstate="email">
             <a:extLst>
               <a:ext uri="{28A0092B-C50C-407E-A947-70E740481C1C}">
@@ -7700,14 +7700,12 @@
             </a:extLst>
           </a:blip>
           <a:srcRect/>
-          <a:stretch>
-            <a:fillRect/>
-          </a:stretch>
+          <a:stretch/>
         </p:blipFill>
         <p:spPr bwMode="auto">
           <a:xfrm>
-            <a:off x="1765100" y="1444030"/>
-            <a:ext cx="2049204" cy="1152977"/>
+            <a:off x="2037732" y="1444030"/>
+            <a:ext cx="1407217" cy="1152977"/>
           </a:xfrm>
           <a:prstGeom prst="rect">
             <a:avLst/>
@@ -7775,7 +7773,7 @@
                   <a:srgbClr val="FF0000"/>
                 </a:solidFill>
               </a:rPr>
-              <a:t>~$2.4 - $3.6K</a:t>
+              <a:t>$2.4 - $3.6K</a:t>
             </a:r>
           </a:p>
         </p:txBody>
@@ -7794,8 +7792,8 @@
         </p:nvSpPr>
         <p:spPr>
           <a:xfrm>
-            <a:off x="415160" y="3439910"/>
-            <a:ext cx="1329558" cy="646331"/>
+            <a:off x="415160" y="3333580"/>
+            <a:ext cx="1030868" cy="646331"/>
           </a:xfrm>
           <a:prstGeom prst="rect">
             <a:avLst/>
@@ -7831,7 +7829,7 @@
                   <a:srgbClr val="FF0000"/>
                 </a:solidFill>
               </a:rPr>
-              <a:t>~$3.3-3.7K</a:t>
+              <a:t>$3.3-3.7K</a:t>
             </a:r>
           </a:p>
         </p:txBody>
@@ -7887,7 +7885,7 @@
                   <a:srgbClr val="FF0000"/>
                 </a:solidFill>
               </a:rPr>
-              <a:t>~$3.6K - $7.3K</a:t>
+              <a:t>$3.6K - $7.3K</a:t>
             </a:r>
           </a:p>
         </p:txBody>
@@ -7906,8 +7904,8 @@
         </p:nvSpPr>
         <p:spPr>
           <a:xfrm>
-            <a:off x="8105065" y="1390454"/>
-            <a:ext cx="1329558" cy="646331"/>
+            <a:off x="8525354" y="1741183"/>
+            <a:ext cx="1075846" cy="646331"/>
           </a:xfrm>
           <a:prstGeom prst="rect">
             <a:avLst/>
@@ -7962,8 +7960,8 @@
         </p:nvSpPr>
         <p:spPr>
           <a:xfrm>
-            <a:off x="8069317" y="3675830"/>
-            <a:ext cx="1844565" cy="1200329"/>
+            <a:off x="8525354" y="3599926"/>
+            <a:ext cx="1739402" cy="1384995"/>
           </a:xfrm>
           <a:prstGeom prst="rect">
             <a:avLst/>
@@ -8010,7 +8008,7 @@
                   <a:srgbClr val="FF0000"/>
                 </a:solidFill>
               </a:rPr>
-              <a:t>~$14K - $17K</a:t>
+              <a:t>$14K - $17K</a:t>
             </a:r>
             <a:endParaRPr lang="en-US" sz="1200" b="1" dirty="0"/>
           </a:p>
@@ -8019,6 +8017,39 @@
               <a:rPr lang="en-US" sz="1200" b="1" dirty="0"/>
               <a:t>Best: X758, $17K </a:t>
             </a:r>
+          </a:p>
+          <a:p>
+            <a:r>
+              <a:rPr lang="en-US" sz="1200" b="1" i="0" dirty="0">
+                <a:solidFill>
+                  <a:srgbClr val="1F1F1F"/>
+                </a:solidFill>
+                <a:effectLst/>
+                <a:latin typeface="Google Sans"/>
+              </a:rPr>
+              <a:t>weight 1,032 </a:t>
+            </a:r>
+            <a:r>
+              <a:rPr lang="en-US" sz="1200" b="1" i="0" dirty="0" err="1">
+                <a:solidFill>
+                  <a:srgbClr val="1F1F1F"/>
+                </a:solidFill>
+                <a:effectLst/>
+                <a:latin typeface="Google Sans"/>
+              </a:rPr>
+              <a:t>lbs</a:t>
+            </a:r>
+            <a:r>
+              <a:rPr lang="en-US" sz="1200" b="1" i="0" dirty="0">
+                <a:solidFill>
+                  <a:srgbClr val="1F1F1F"/>
+                </a:solidFill>
+                <a:effectLst/>
+                <a:latin typeface="Google Sans"/>
+              </a:rPr>
+              <a:t> (470k)</a:t>
+            </a:r>
+            <a:endParaRPr lang="en-US" sz="1200" b="1" dirty="0"/>
           </a:p>
         </p:txBody>
       </p:sp>
@@ -8036,7 +8067,7 @@
           </p:cNvPicPr>
           <p:nvPr/>
         </p:nvPicPr>
-        <p:blipFill>
+        <p:blipFill rotWithShape="1">
           <a:blip r:embed="rId4" cstate="email">
             <a:extLst>
               <a:ext uri="{28A0092B-C50C-407E-A947-70E740481C1C}">
@@ -8045,14 +8076,12 @@
             </a:extLst>
           </a:blip>
           <a:srcRect/>
-          <a:stretch>
-            <a:fillRect/>
-          </a:stretch>
+          <a:stretch/>
         </p:blipFill>
         <p:spPr bwMode="auto">
           <a:xfrm>
-            <a:off x="9594277" y="3583472"/>
-            <a:ext cx="2461665" cy="1385047"/>
+            <a:off x="10264756" y="3600147"/>
+            <a:ext cx="1739402" cy="1385047"/>
           </a:xfrm>
           <a:prstGeom prst="rect">
             <a:avLst/>
@@ -8098,7 +8127,7 @@
         </p:blipFill>
         <p:spPr bwMode="auto">
           <a:xfrm>
-            <a:off x="10016357" y="1251986"/>
+            <a:off x="10469678" y="1444030"/>
             <a:ext cx="1329558" cy="1107965"/>
           </a:xfrm>
           <a:prstGeom prst="rect">
@@ -8145,7 +8174,7 @@
         </p:blipFill>
         <p:spPr bwMode="auto">
           <a:xfrm>
-            <a:off x="2037733" y="4916049"/>
+            <a:off x="1989370" y="4815146"/>
             <a:ext cx="1503939" cy="1217474"/>
           </a:xfrm>
           <a:prstGeom prst="rect">
@@ -8177,7 +8206,7 @@
           </p:cNvPicPr>
           <p:nvPr/>
         </p:nvPicPr>
-        <p:blipFill>
+        <p:blipFill rotWithShape="1">
           <a:blip r:embed="rId7" cstate="email">
             <a:extLst>
               <a:ext uri="{28A0092B-C50C-407E-A947-70E740481C1C}">
@@ -8186,14 +8215,12 @@
             </a:extLst>
           </a:blip>
           <a:srcRect/>
-          <a:stretch>
-            <a:fillRect/>
-          </a:stretch>
+          <a:stretch/>
         </p:blipFill>
         <p:spPr bwMode="auto">
           <a:xfrm>
-            <a:off x="1689149" y="2999982"/>
-            <a:ext cx="2133364" cy="1200330"/>
+            <a:off x="1927243" y="2999982"/>
+            <a:ext cx="1614429" cy="1200330"/>
           </a:xfrm>
           <a:prstGeom prst="rect">
             <a:avLst/>

--- a/tractor_jd_425.pptx
+++ b/tractor_jd_425.pptx
@@ -6,11 +6,12 @@
   </p:sldMasterIdLst>
   <p:sldIdLst>
     <p:sldId id="270" r:id="rId2"/>
-    <p:sldId id="277" r:id="rId3"/>
-    <p:sldId id="279" r:id="rId4"/>
-    <p:sldId id="280" r:id="rId5"/>
-    <p:sldId id="281" r:id="rId6"/>
-    <p:sldId id="282" r:id="rId7"/>
+    <p:sldId id="279" r:id="rId3"/>
+    <p:sldId id="280" r:id="rId4"/>
+    <p:sldId id="281" r:id="rId5"/>
+    <p:sldId id="277" r:id="rId6"/>
+    <p:sldId id="283" r:id="rId7"/>
+    <p:sldId id="282" r:id="rId8"/>
   </p:sldIdLst>
   <p:sldSz cx="12192000" cy="6858000"/>
   <p:notesSz cx="6858000" cy="9144000"/>
@@ -263,7 +264,7 @@
           <a:lstStyle/>
           <a:p>
             <a:fld id="{16286276-9013-2A43-82D1-BA4685C95117}" type="datetimeFigureOut">
-              <a:t>8/31/24</a:t>
+              <a:t>3/23/25</a:t>
             </a:fld>
             <a:endParaRPr lang="en-US"/>
           </a:p>
@@ -459,7 +460,7 @@
           <a:lstStyle/>
           <a:p>
             <a:fld id="{16286276-9013-2A43-82D1-BA4685C95117}" type="datetimeFigureOut">
-              <a:t>8/31/24</a:t>
+              <a:t>3/23/25</a:t>
             </a:fld>
             <a:endParaRPr lang="en-US"/>
           </a:p>
@@ -665,7 +666,7 @@
           <a:lstStyle/>
           <a:p>
             <a:fld id="{16286276-9013-2A43-82D1-BA4685C95117}" type="datetimeFigureOut">
-              <a:t>8/31/24</a:t>
+              <a:t>3/23/25</a:t>
             </a:fld>
             <a:endParaRPr lang="en-US"/>
           </a:p>
@@ -861,7 +862,7 @@
           <a:lstStyle/>
           <a:p>
             <a:fld id="{16286276-9013-2A43-82D1-BA4685C95117}" type="datetimeFigureOut">
-              <a:t>8/31/24</a:t>
+              <a:t>3/23/25</a:t>
             </a:fld>
             <a:endParaRPr lang="en-US"/>
           </a:p>
@@ -1134,7 +1135,7 @@
           <a:lstStyle/>
           <a:p>
             <a:fld id="{16286276-9013-2A43-82D1-BA4685C95117}" type="datetimeFigureOut">
-              <a:t>8/31/24</a:t>
+              <a:t>3/23/25</a:t>
             </a:fld>
             <a:endParaRPr lang="en-US"/>
           </a:p>
@@ -1397,7 +1398,7 @@
           <a:lstStyle/>
           <a:p>
             <a:fld id="{16286276-9013-2A43-82D1-BA4685C95117}" type="datetimeFigureOut">
-              <a:t>8/31/24</a:t>
+              <a:t>3/23/25</a:t>
             </a:fld>
             <a:endParaRPr lang="en-US"/>
           </a:p>
@@ -1807,7 +1808,7 @@
           <a:lstStyle/>
           <a:p>
             <a:fld id="{16286276-9013-2A43-82D1-BA4685C95117}" type="datetimeFigureOut">
-              <a:t>8/31/24</a:t>
+              <a:t>3/23/25</a:t>
             </a:fld>
             <a:endParaRPr lang="en-US"/>
           </a:p>
@@ -1946,7 +1947,7 @@
           <a:lstStyle/>
           <a:p>
             <a:fld id="{16286276-9013-2A43-82D1-BA4685C95117}" type="datetimeFigureOut">
-              <a:t>8/31/24</a:t>
+              <a:t>3/23/25</a:t>
             </a:fld>
             <a:endParaRPr lang="en-US"/>
           </a:p>
@@ -2057,7 +2058,7 @@
           <a:lstStyle/>
           <a:p>
             <a:fld id="{16286276-9013-2A43-82D1-BA4685C95117}" type="datetimeFigureOut">
-              <a:t>8/31/24</a:t>
+              <a:t>3/23/25</a:t>
             </a:fld>
             <a:endParaRPr lang="en-US"/>
           </a:p>
@@ -2366,7 +2367,7 @@
           <a:lstStyle/>
           <a:p>
             <a:fld id="{16286276-9013-2A43-82D1-BA4685C95117}" type="datetimeFigureOut">
-              <a:t>8/31/24</a:t>
+              <a:t>3/23/25</a:t>
             </a:fld>
             <a:endParaRPr lang="en-US"/>
           </a:p>
@@ -2652,7 +2653,7 @@
           <a:lstStyle/>
           <a:p>
             <a:fld id="{16286276-9013-2A43-82D1-BA4685C95117}" type="datetimeFigureOut">
-              <a:t>8/31/24</a:t>
+              <a:t>3/23/25</a:t>
             </a:fld>
             <a:endParaRPr lang="en-US"/>
           </a:p>
@@ -2891,7 +2892,7 @@
           </a:lstStyle>
           <a:p>
             <a:fld id="{16286276-9013-2A43-82D1-BA4685C95117}" type="datetimeFigureOut">
-              <a:t>8/31/24</a:t>
+              <a:t>3/23/25</a:t>
             </a:fld>
             <a:endParaRPr lang="en-US"/>
           </a:p>
@@ -4089,272 +4090,6 @@
           <p:cNvPr id="2" name="TextBox 1">
             <a:extLst>
               <a:ext uri="{FF2B5EF4-FFF2-40B4-BE49-F238E27FC236}">
-                <a16:creationId xmlns:a16="http://schemas.microsoft.com/office/drawing/2014/main" id="{B7B9B836-28F9-422A-F700-BCB256EF61BC}"/>
-              </a:ext>
-            </a:extLst>
-          </p:cNvPr>
-          <p:cNvSpPr txBox="1"/>
-          <p:nvPr/>
-        </p:nvSpPr>
-        <p:spPr>
-          <a:xfrm>
-            <a:off x="0" y="0"/>
-            <a:ext cx="1996966" cy="523220"/>
-          </a:xfrm>
-          <a:prstGeom prst="rect">
-            <a:avLst/>
-          </a:prstGeom>
-          <a:noFill/>
-        </p:spPr>
-        <p:txBody>
-          <a:bodyPr wrap="square" rtlCol="0">
-            <a:spAutoFit/>
-          </a:bodyPr>
-          <a:lstStyle/>
-          <a:p>
-            <a:r>
-              <a:rPr lang="en-US" sz="2800" b="1"/>
-              <a:t>Sweeper</a:t>
-            </a:r>
-          </a:p>
-        </p:txBody>
-      </p:sp>
-      <p:pic>
-        <p:nvPicPr>
-          <p:cNvPr id="3" name="Picture 2">
-            <a:extLst>
-              <a:ext uri="{FF2B5EF4-FFF2-40B4-BE49-F238E27FC236}">
-                <a16:creationId xmlns:a16="http://schemas.microsoft.com/office/drawing/2014/main" id="{C3F558E4-0A66-D9E2-A5E5-D38E2E8292A2}"/>
-              </a:ext>
-            </a:extLst>
-          </p:cNvPr>
-          <p:cNvPicPr>
-            <a:picLocks noChangeAspect="1"/>
-          </p:cNvPicPr>
-          <p:nvPr/>
-        </p:nvPicPr>
-        <p:blipFill>
-          <a:blip r:embed="rId2" cstate="email">
-            <a:extLst>
-              <a:ext uri="{28A0092B-C50C-407E-A947-70E740481C1C}">
-                <a14:useLocalDpi xmlns:a14="http://schemas.microsoft.com/office/drawing/2010/main"/>
-              </a:ext>
-            </a:extLst>
-          </a:blip>
-          <a:stretch>
-            <a:fillRect/>
-          </a:stretch>
-        </p:blipFill>
-        <p:spPr>
-          <a:xfrm>
-            <a:off x="315309" y="2265382"/>
-            <a:ext cx="4672944" cy="2836798"/>
-          </a:xfrm>
-          <a:prstGeom prst="rect">
-            <a:avLst/>
-          </a:prstGeom>
-        </p:spPr>
-      </p:pic>
-      <p:sp>
-        <p:nvSpPr>
-          <p:cNvPr id="4" name="TextBox 3">
-            <a:extLst>
-              <a:ext uri="{FF2B5EF4-FFF2-40B4-BE49-F238E27FC236}">
-                <a16:creationId xmlns:a16="http://schemas.microsoft.com/office/drawing/2014/main" id="{07EFB1A7-51B9-A3EB-86E4-0C0F6337BDB9}"/>
-              </a:ext>
-            </a:extLst>
-          </p:cNvPr>
-          <p:cNvSpPr txBox="1"/>
-          <p:nvPr/>
-        </p:nvSpPr>
-        <p:spPr>
-          <a:xfrm>
-            <a:off x="315309" y="5244257"/>
-            <a:ext cx="4204138" cy="738664"/>
-          </a:xfrm>
-          <a:prstGeom prst="rect">
-            <a:avLst/>
-          </a:prstGeom>
-          <a:noFill/>
-        </p:spPr>
-        <p:txBody>
-          <a:bodyPr wrap="square" rtlCol="0">
-            <a:spAutoFit/>
-          </a:bodyPr>
-          <a:lstStyle/>
-          <a:p>
-            <a:r>
-              <a:rPr lang="en-US" sz="1400"/>
-              <a:t>Agri-Fab Inc 45-0546 52" Lawn Sweeper, Black</a:t>
-            </a:r>
-          </a:p>
-          <a:p>
-            <a:endParaRPr lang="en-US" sz="1400"/>
-          </a:p>
-          <a:p>
-            <a:r>
-              <a:rPr lang="en-US" sz="1400">
-                <a:hlinkClick r:id="rId3"/>
-              </a:rPr>
-              <a:t>https://www.amazon.com/gp/product/B07KMX858N/</a:t>
-            </a:r>
-            <a:endParaRPr lang="en-US" sz="1400"/>
-          </a:p>
-        </p:txBody>
-      </p:sp>
-      <p:sp>
-        <p:nvSpPr>
-          <p:cNvPr id="5" name="TextBox 4">
-            <a:extLst>
-              <a:ext uri="{FF2B5EF4-FFF2-40B4-BE49-F238E27FC236}">
-                <a16:creationId xmlns:a16="http://schemas.microsoft.com/office/drawing/2014/main" id="{131864CA-A3E4-F5AA-7FF7-7AE95298D8A7}"/>
-              </a:ext>
-            </a:extLst>
-          </p:cNvPr>
-          <p:cNvSpPr txBox="1"/>
-          <p:nvPr/>
-        </p:nvSpPr>
-        <p:spPr>
-          <a:xfrm>
-            <a:off x="6537434" y="5244257"/>
-            <a:ext cx="4939863" cy="738664"/>
-          </a:xfrm>
-          <a:prstGeom prst="rect">
-            <a:avLst/>
-          </a:prstGeom>
-          <a:noFill/>
-        </p:spPr>
-        <p:txBody>
-          <a:bodyPr wrap="square" rtlCol="0">
-            <a:spAutoFit/>
-          </a:bodyPr>
-          <a:lstStyle/>
-          <a:p>
-            <a:r>
-              <a:rPr lang="en-US" sz="1400"/>
-              <a:t>10 Cubic Feet Steel Dump Cart</a:t>
-            </a:r>
-          </a:p>
-          <a:p>
-            <a:endParaRPr lang="en-US" sz="1400"/>
-          </a:p>
-          <a:p>
-            <a:r>
-              <a:rPr lang="en-US" sz="1400">
-                <a:hlinkClick r:id="rId4"/>
-              </a:rPr>
-              <a:t>https://www.amazon.com/dp/B08R95SSTJ</a:t>
-            </a:r>
-            <a:endParaRPr lang="en-US" sz="1400"/>
-          </a:p>
-        </p:txBody>
-      </p:sp>
-      <p:pic>
-        <p:nvPicPr>
-          <p:cNvPr id="6" name="Picture 5">
-            <a:extLst>
-              <a:ext uri="{FF2B5EF4-FFF2-40B4-BE49-F238E27FC236}">
-                <a16:creationId xmlns:a16="http://schemas.microsoft.com/office/drawing/2014/main" id="{BCA85604-9374-0FFF-0CE2-7340BF5A2102}"/>
-              </a:ext>
-            </a:extLst>
-          </p:cNvPr>
-          <p:cNvPicPr>
-            <a:picLocks noChangeAspect="1"/>
-          </p:cNvPicPr>
-          <p:nvPr/>
-        </p:nvPicPr>
-        <p:blipFill>
-          <a:blip r:embed="rId5" cstate="email">
-            <a:extLst>
-              <a:ext uri="{28A0092B-C50C-407E-A947-70E740481C1C}">
-                <a14:useLocalDpi xmlns:a14="http://schemas.microsoft.com/office/drawing/2010/main"/>
-              </a:ext>
-            </a:extLst>
-          </a:blip>
-          <a:stretch>
-            <a:fillRect/>
-          </a:stretch>
-        </p:blipFill>
-        <p:spPr>
-          <a:xfrm>
-            <a:off x="6281438" y="2243754"/>
-            <a:ext cx="4567865" cy="2880053"/>
-          </a:xfrm>
-          <a:prstGeom prst="rect">
-            <a:avLst/>
-          </a:prstGeom>
-        </p:spPr>
-      </p:pic>
-      <p:sp>
-        <p:nvSpPr>
-          <p:cNvPr id="7" name="TextBox 6">
-            <a:extLst>
-              <a:ext uri="{FF2B5EF4-FFF2-40B4-BE49-F238E27FC236}">
-                <a16:creationId xmlns:a16="http://schemas.microsoft.com/office/drawing/2014/main" id="{54391762-C22A-4BA5-C8BC-BCA7C7847B78}"/>
-              </a:ext>
-            </a:extLst>
-          </p:cNvPr>
-          <p:cNvSpPr txBox="1"/>
-          <p:nvPr/>
-        </p:nvSpPr>
-        <p:spPr>
-          <a:xfrm>
-            <a:off x="6281438" y="93444"/>
-            <a:ext cx="3020217" cy="523220"/>
-          </a:xfrm>
-          <a:prstGeom prst="rect">
-            <a:avLst/>
-          </a:prstGeom>
-          <a:noFill/>
-        </p:spPr>
-        <p:txBody>
-          <a:bodyPr wrap="square" rtlCol="0">
-            <a:spAutoFit/>
-          </a:bodyPr>
-          <a:lstStyle/>
-          <a:p>
-            <a:r>
-              <a:rPr lang="en-US" sz="2800" b="1"/>
-              <a:t>Dump Cart</a:t>
-            </a:r>
-          </a:p>
-        </p:txBody>
-      </p:sp>
-    </p:spTree>
-    <p:extLst>
-      <p:ext uri="{BB962C8B-B14F-4D97-AF65-F5344CB8AC3E}">
-        <p14:creationId xmlns:p14="http://schemas.microsoft.com/office/powerpoint/2010/main" val="3901153623"/>
-      </p:ext>
-    </p:extLst>
-  </p:cSld>
-  <p:clrMapOvr>
-    <a:masterClrMapping/>
-  </p:clrMapOvr>
-</p:sld>
-</file>
-
-<file path=ppt/slides/slide3.xml><?xml version="1.0" encoding="utf-8"?>
-<p:sld xmlns:a="http://schemas.openxmlformats.org/drawingml/2006/main" xmlns:r="http://schemas.openxmlformats.org/officeDocument/2006/relationships" xmlns:p="http://schemas.openxmlformats.org/presentationml/2006/main">
-  <p:cSld>
-    <p:spTree>
-      <p:nvGrpSpPr>
-        <p:cNvPr id="1" name=""/>
-        <p:cNvGrpSpPr/>
-        <p:nvPr/>
-      </p:nvGrpSpPr>
-      <p:grpSpPr>
-        <a:xfrm>
-          <a:off x="0" y="0"/>
-          <a:ext cx="0" cy="0"/>
-          <a:chOff x="0" y="0"/>
-          <a:chExt cx="0" cy="0"/>
-        </a:xfrm>
-      </p:grpSpPr>
-      <p:sp>
-        <p:nvSpPr>
-          <p:cNvPr id="2" name="TextBox 1">
-            <a:extLst>
-              <a:ext uri="{FF2B5EF4-FFF2-40B4-BE49-F238E27FC236}">
                 <a16:creationId xmlns:a16="http://schemas.microsoft.com/office/drawing/2014/main" id="{67F723A6-746F-9725-14BD-F67FA71999D9}"/>
               </a:ext>
             </a:extLst>
@@ -4953,7 +4688,7 @@
 </p:sld>
 </file>
 
-<file path=ppt/slides/slide4.xml><?xml version="1.0" encoding="utf-8"?>
+<file path=ppt/slides/slide3.xml><?xml version="1.0" encoding="utf-8"?>
 <p:sld xmlns:a="http://schemas.openxmlformats.org/drawingml/2006/main" xmlns:r="http://schemas.openxmlformats.org/officeDocument/2006/relationships" xmlns:p="http://schemas.openxmlformats.org/presentationml/2006/main">
   <p:cSld>
     <p:spTree>
@@ -5833,6 +5568,1729 @@
 </p:sld>
 </file>
 
+<file path=ppt/slides/slide4.xml><?xml version="1.0" encoding="utf-8"?>
+<p:sld xmlns:a="http://schemas.openxmlformats.org/drawingml/2006/main" xmlns:r="http://schemas.openxmlformats.org/officeDocument/2006/relationships" xmlns:p="http://schemas.openxmlformats.org/presentationml/2006/main">
+  <p:cSld>
+    <p:spTree>
+      <p:nvGrpSpPr>
+        <p:cNvPr id="1" name=""/>
+        <p:cNvGrpSpPr/>
+        <p:nvPr/>
+      </p:nvGrpSpPr>
+      <p:grpSpPr>
+        <a:xfrm>
+          <a:off x="0" y="0"/>
+          <a:ext cx="0" cy="0"/>
+          <a:chOff x="0" y="0"/>
+          <a:chExt cx="0" cy="0"/>
+        </a:xfrm>
+      </p:grpSpPr>
+      <p:sp>
+        <p:nvSpPr>
+          <p:cNvPr id="36" name="Rectangle 35">
+            <a:extLst>
+              <a:ext uri="{FF2B5EF4-FFF2-40B4-BE49-F238E27FC236}">
+                <a16:creationId xmlns:a16="http://schemas.microsoft.com/office/drawing/2014/main" id="{C2E3CF2A-C4BA-5DFD-36CB-DAC810B0D3BB}"/>
+              </a:ext>
+            </a:extLst>
+          </p:cNvPr>
+          <p:cNvSpPr/>
+          <p:nvPr/>
+        </p:nvSpPr>
+        <p:spPr>
+          <a:xfrm>
+            <a:off x="4737983" y="1900438"/>
+            <a:ext cx="2315963" cy="276999"/>
+          </a:xfrm>
+          <a:prstGeom prst="rect">
+            <a:avLst/>
+          </a:prstGeom>
+          <a:solidFill>
+            <a:schemeClr val="bg1">
+              <a:lumMod val="85000"/>
+            </a:schemeClr>
+          </a:solidFill>
+          <a:ln>
+            <a:noFill/>
+          </a:ln>
+        </p:spPr>
+        <p:style>
+          <a:lnRef idx="2">
+            <a:schemeClr val="accent1">
+              <a:shade val="15000"/>
+            </a:schemeClr>
+          </a:lnRef>
+          <a:fillRef idx="1">
+            <a:schemeClr val="accent1"/>
+          </a:fillRef>
+          <a:effectRef idx="0">
+            <a:schemeClr val="accent1"/>
+          </a:effectRef>
+          <a:fontRef idx="minor">
+            <a:schemeClr val="lt1"/>
+          </a:fontRef>
+        </p:style>
+        <p:txBody>
+          <a:bodyPr rtlCol="0" anchor="ctr"/>
+          <a:lstStyle/>
+          <a:p>
+            <a:pPr algn="ctr"/>
+            <a:endParaRPr lang="en-US"/>
+          </a:p>
+        </p:txBody>
+      </p:sp>
+      <p:sp>
+        <p:nvSpPr>
+          <p:cNvPr id="2" name="TextBox 1">
+            <a:extLst>
+              <a:ext uri="{FF2B5EF4-FFF2-40B4-BE49-F238E27FC236}">
+                <a16:creationId xmlns:a16="http://schemas.microsoft.com/office/drawing/2014/main" id="{F1D4F527-8FD9-2801-24F0-71FFECCC11E0}"/>
+              </a:ext>
+            </a:extLst>
+          </p:cNvPr>
+          <p:cNvSpPr txBox="1"/>
+          <p:nvPr/>
+        </p:nvSpPr>
+        <p:spPr>
+          <a:xfrm>
+            <a:off x="168166" y="111093"/>
+            <a:ext cx="4117119" cy="523220"/>
+          </a:xfrm>
+          <a:prstGeom prst="rect">
+            <a:avLst/>
+          </a:prstGeom>
+          <a:noFill/>
+        </p:spPr>
+        <p:txBody>
+          <a:bodyPr wrap="square" rtlCol="0">
+            <a:spAutoFit/>
+          </a:bodyPr>
+          <a:lstStyle/>
+          <a:p>
+            <a:r>
+              <a:rPr lang="en-US" sz="2800" b="1" dirty="0"/>
+              <a:t>60" deck, spindles, pulley</a:t>
+            </a:r>
+          </a:p>
+        </p:txBody>
+      </p:sp>
+      <p:pic>
+        <p:nvPicPr>
+          <p:cNvPr id="12" name="Picture 11">
+            <a:extLst>
+              <a:ext uri="{FF2B5EF4-FFF2-40B4-BE49-F238E27FC236}">
+                <a16:creationId xmlns:a16="http://schemas.microsoft.com/office/drawing/2014/main" id="{C1479CE6-79CE-470A-00DF-D0DC3AB57C5C}"/>
+              </a:ext>
+            </a:extLst>
+          </p:cNvPr>
+          <p:cNvPicPr>
+            <a:picLocks noChangeAspect="1"/>
+          </p:cNvPicPr>
+          <p:nvPr/>
+        </p:nvPicPr>
+        <p:blipFill>
+          <a:blip r:embed="rId2" cstate="email">
+            <a:extLst>
+              <a:ext uri="{28A0092B-C50C-407E-A947-70E740481C1C}">
+                <a14:useLocalDpi xmlns:a14="http://schemas.microsoft.com/office/drawing/2010/main"/>
+              </a:ext>
+            </a:extLst>
+          </a:blip>
+          <a:stretch>
+            <a:fillRect/>
+          </a:stretch>
+        </p:blipFill>
+        <p:spPr>
+          <a:xfrm>
+            <a:off x="9625831" y="111093"/>
+            <a:ext cx="2507532" cy="2584450"/>
+          </a:xfrm>
+          <a:prstGeom prst="rect">
+            <a:avLst/>
+          </a:prstGeom>
+        </p:spPr>
+      </p:pic>
+      <p:pic>
+        <p:nvPicPr>
+          <p:cNvPr id="14" name="Picture 13">
+            <a:extLst>
+              <a:ext uri="{FF2B5EF4-FFF2-40B4-BE49-F238E27FC236}">
+                <a16:creationId xmlns:a16="http://schemas.microsoft.com/office/drawing/2014/main" id="{2F294491-F267-467A-5C27-39D573011A33}"/>
+              </a:ext>
+            </a:extLst>
+          </p:cNvPr>
+          <p:cNvPicPr>
+            <a:picLocks noChangeAspect="1"/>
+          </p:cNvPicPr>
+          <p:nvPr/>
+        </p:nvPicPr>
+        <p:blipFill>
+          <a:blip r:embed="rId3" cstate="email">
+            <a:extLst>
+              <a:ext uri="{28A0092B-C50C-407E-A947-70E740481C1C}">
+                <a14:useLocalDpi xmlns:a14="http://schemas.microsoft.com/office/drawing/2010/main"/>
+              </a:ext>
+            </a:extLst>
+          </a:blip>
+          <a:stretch>
+            <a:fillRect/>
+          </a:stretch>
+        </p:blipFill>
+        <p:spPr>
+          <a:xfrm>
+            <a:off x="168166" y="1071507"/>
+            <a:ext cx="1825964" cy="2357494"/>
+          </a:xfrm>
+          <a:prstGeom prst="rect">
+            <a:avLst/>
+          </a:prstGeom>
+        </p:spPr>
+      </p:pic>
+      <p:pic>
+        <p:nvPicPr>
+          <p:cNvPr id="15" name="Picture 14">
+            <a:extLst>
+              <a:ext uri="{FF2B5EF4-FFF2-40B4-BE49-F238E27FC236}">
+                <a16:creationId xmlns:a16="http://schemas.microsoft.com/office/drawing/2014/main" id="{77A4297F-2B7A-25DD-8F34-0CE6143B95A0}"/>
+              </a:ext>
+            </a:extLst>
+          </p:cNvPr>
+          <p:cNvPicPr>
+            <a:picLocks noChangeAspect="1"/>
+          </p:cNvPicPr>
+          <p:nvPr/>
+        </p:nvPicPr>
+        <p:blipFill>
+          <a:blip r:embed="rId4" cstate="email">
+            <a:extLst>
+              <a:ext uri="{28A0092B-C50C-407E-A947-70E740481C1C}">
+                <a14:useLocalDpi xmlns:a14="http://schemas.microsoft.com/office/drawing/2010/main"/>
+              </a:ext>
+            </a:extLst>
+          </a:blip>
+          <a:stretch>
+            <a:fillRect/>
+          </a:stretch>
+        </p:blipFill>
+        <p:spPr>
+          <a:xfrm>
+            <a:off x="5436266" y="4463045"/>
+            <a:ext cx="703281" cy="1777860"/>
+          </a:xfrm>
+          <a:prstGeom prst="rect">
+            <a:avLst/>
+          </a:prstGeom>
+        </p:spPr>
+      </p:pic>
+      <p:sp>
+        <p:nvSpPr>
+          <p:cNvPr id="17" name="TextBox 16">
+            <a:extLst>
+              <a:ext uri="{FF2B5EF4-FFF2-40B4-BE49-F238E27FC236}">
+                <a16:creationId xmlns:a16="http://schemas.microsoft.com/office/drawing/2014/main" id="{6492CF95-2AC8-AFDC-A4D0-B7CC74B71E15}"/>
+              </a:ext>
+            </a:extLst>
+          </p:cNvPr>
+          <p:cNvSpPr txBox="1"/>
+          <p:nvPr/>
+        </p:nvSpPr>
+        <p:spPr>
+          <a:xfrm>
+            <a:off x="431548" y="3430811"/>
+            <a:ext cx="1022350" cy="276999"/>
+          </a:xfrm>
+          <a:prstGeom prst="rect">
+            <a:avLst/>
+          </a:prstGeom>
+          <a:noFill/>
+        </p:spPr>
+        <p:txBody>
+          <a:bodyPr wrap="square" rtlCol="0">
+            <a:spAutoFit/>
+          </a:bodyPr>
+          <a:lstStyle/>
+          <a:p>
+            <a:pPr algn="ctr"/>
+            <a:r>
+              <a:rPr lang="en-US" sz="1200" dirty="0"/>
+              <a:t>deck</a:t>
+            </a:r>
+          </a:p>
+        </p:txBody>
+      </p:sp>
+      <p:pic>
+        <p:nvPicPr>
+          <p:cNvPr id="18" name="Picture 17">
+            <a:extLst>
+              <a:ext uri="{FF2B5EF4-FFF2-40B4-BE49-F238E27FC236}">
+                <a16:creationId xmlns:a16="http://schemas.microsoft.com/office/drawing/2014/main" id="{E303D0F3-578A-310B-426D-6CDE9F2CDD23}"/>
+              </a:ext>
+            </a:extLst>
+          </p:cNvPr>
+          <p:cNvPicPr>
+            <a:picLocks noChangeAspect="1"/>
+          </p:cNvPicPr>
+          <p:nvPr/>
+        </p:nvPicPr>
+        <p:blipFill>
+          <a:blip r:embed="rId5" cstate="email">
+            <a:extLst>
+              <a:ext uri="{28A0092B-C50C-407E-A947-70E740481C1C}">
+                <a14:useLocalDpi xmlns:a14="http://schemas.microsoft.com/office/drawing/2010/main"/>
+              </a:ext>
+            </a:extLst>
+          </a:blip>
+          <a:stretch>
+            <a:fillRect/>
+          </a:stretch>
+        </p:blipFill>
+        <p:spPr>
+          <a:xfrm>
+            <a:off x="2159280" y="1069920"/>
+            <a:ext cx="1677934" cy="1704628"/>
+          </a:xfrm>
+          <a:prstGeom prst="rect">
+            <a:avLst/>
+          </a:prstGeom>
+        </p:spPr>
+      </p:pic>
+      <p:sp>
+        <p:nvSpPr>
+          <p:cNvPr id="19" name="TextBox 18">
+            <a:extLst>
+              <a:ext uri="{FF2B5EF4-FFF2-40B4-BE49-F238E27FC236}">
+                <a16:creationId xmlns:a16="http://schemas.microsoft.com/office/drawing/2014/main" id="{1867E133-035E-7D82-3455-0D83F0E76CB8}"/>
+              </a:ext>
+            </a:extLst>
+          </p:cNvPr>
+          <p:cNvSpPr txBox="1"/>
+          <p:nvPr/>
+        </p:nvSpPr>
+        <p:spPr>
+          <a:xfrm>
+            <a:off x="2424455" y="2834042"/>
+            <a:ext cx="1022350" cy="461665"/>
+          </a:xfrm>
+          <a:prstGeom prst="rect">
+            <a:avLst/>
+          </a:prstGeom>
+          <a:noFill/>
+        </p:spPr>
+        <p:txBody>
+          <a:bodyPr wrap="square" rtlCol="0">
+            <a:spAutoFit/>
+          </a:bodyPr>
+          <a:lstStyle/>
+          <a:p>
+            <a:pPr algn="ctr"/>
+            <a:r>
+              <a:rPr lang="en-US" sz="1200" dirty="0"/>
+              <a:t>spindle hub</a:t>
+            </a:r>
+          </a:p>
+          <a:p>
+            <a:pPr algn="ctr"/>
+            <a:r>
+              <a:rPr lang="en-US" sz="1200" dirty="0"/>
+              <a:t>with pulley</a:t>
+            </a:r>
+          </a:p>
+        </p:txBody>
+      </p:sp>
+      <p:pic>
+        <p:nvPicPr>
+          <p:cNvPr id="20" name="Picture 19">
+            <a:extLst>
+              <a:ext uri="{FF2B5EF4-FFF2-40B4-BE49-F238E27FC236}">
+                <a16:creationId xmlns:a16="http://schemas.microsoft.com/office/drawing/2014/main" id="{8E2DAB17-A81B-70EB-9854-F59478032EFD}"/>
+              </a:ext>
+            </a:extLst>
+          </p:cNvPr>
+          <p:cNvPicPr>
+            <a:picLocks noChangeAspect="1"/>
+          </p:cNvPicPr>
+          <p:nvPr/>
+        </p:nvPicPr>
+        <p:blipFill>
+          <a:blip r:embed="rId6" cstate="email">
+            <a:extLst>
+              <a:ext uri="{28A0092B-C50C-407E-A947-70E740481C1C}">
+                <a14:useLocalDpi xmlns:a14="http://schemas.microsoft.com/office/drawing/2010/main"/>
+              </a:ext>
+            </a:extLst>
+          </a:blip>
+          <a:stretch>
+            <a:fillRect/>
+          </a:stretch>
+        </p:blipFill>
+        <p:spPr>
+          <a:xfrm>
+            <a:off x="10128935" y="5654514"/>
+            <a:ext cx="1971754" cy="1162193"/>
+          </a:xfrm>
+          <a:prstGeom prst="rect">
+            <a:avLst/>
+          </a:prstGeom>
+        </p:spPr>
+      </p:pic>
+      <p:sp>
+        <p:nvSpPr>
+          <p:cNvPr id="21" name="TextBox 20">
+            <a:extLst>
+              <a:ext uri="{FF2B5EF4-FFF2-40B4-BE49-F238E27FC236}">
+                <a16:creationId xmlns:a16="http://schemas.microsoft.com/office/drawing/2014/main" id="{81E3D317-D771-666D-55D6-D034003A33DC}"/>
+              </a:ext>
+            </a:extLst>
+          </p:cNvPr>
+          <p:cNvSpPr txBox="1"/>
+          <p:nvPr/>
+        </p:nvSpPr>
+        <p:spPr>
+          <a:xfrm>
+            <a:off x="10368422" y="2695543"/>
+            <a:ext cx="1022350" cy="276999"/>
+          </a:xfrm>
+          <a:prstGeom prst="rect">
+            <a:avLst/>
+          </a:prstGeom>
+          <a:noFill/>
+        </p:spPr>
+        <p:txBody>
+          <a:bodyPr wrap="square" rtlCol="0">
+            <a:spAutoFit/>
+          </a:bodyPr>
+          <a:lstStyle/>
+          <a:p>
+            <a:pPr algn="ctr"/>
+            <a:r>
+              <a:rPr lang="en-US" sz="1200" dirty="0"/>
+              <a:t>spindle shaft</a:t>
+            </a:r>
+          </a:p>
+        </p:txBody>
+      </p:sp>
+      <p:sp>
+        <p:nvSpPr>
+          <p:cNvPr id="22" name="Rectangle 21">
+            <a:extLst>
+              <a:ext uri="{FF2B5EF4-FFF2-40B4-BE49-F238E27FC236}">
+                <a16:creationId xmlns:a16="http://schemas.microsoft.com/office/drawing/2014/main" id="{BE6CE2D1-947C-418A-CBDC-AC5FACC5B62D}"/>
+              </a:ext>
+            </a:extLst>
+          </p:cNvPr>
+          <p:cNvSpPr/>
+          <p:nvPr/>
+        </p:nvSpPr>
+        <p:spPr>
+          <a:xfrm>
+            <a:off x="5268689" y="2692078"/>
+            <a:ext cx="1093076" cy="231379"/>
+          </a:xfrm>
+          <a:prstGeom prst="rect">
+            <a:avLst/>
+          </a:prstGeom>
+          <a:noFill/>
+          <a:ln w="25400"/>
+        </p:spPr>
+        <p:style>
+          <a:lnRef idx="2">
+            <a:schemeClr val="accent1">
+              <a:shade val="15000"/>
+            </a:schemeClr>
+          </a:lnRef>
+          <a:fillRef idx="1">
+            <a:schemeClr val="accent1"/>
+          </a:fillRef>
+          <a:effectRef idx="0">
+            <a:schemeClr val="accent1"/>
+          </a:effectRef>
+          <a:fontRef idx="minor">
+            <a:schemeClr val="lt1"/>
+          </a:fontRef>
+        </p:style>
+        <p:txBody>
+          <a:bodyPr rtlCol="0" anchor="ctr"/>
+          <a:lstStyle/>
+          <a:p>
+            <a:pPr algn="ctr"/>
+            <a:endParaRPr lang="en-US"/>
+          </a:p>
+        </p:txBody>
+      </p:sp>
+      <p:sp>
+        <p:nvSpPr>
+          <p:cNvPr id="23" name="Rectangle 22">
+            <a:extLst>
+              <a:ext uri="{FF2B5EF4-FFF2-40B4-BE49-F238E27FC236}">
+                <a16:creationId xmlns:a16="http://schemas.microsoft.com/office/drawing/2014/main" id="{70DE2D15-4CE0-62E9-50F6-265C6ADECA33}"/>
+              </a:ext>
+            </a:extLst>
+          </p:cNvPr>
+          <p:cNvSpPr/>
+          <p:nvPr/>
+        </p:nvSpPr>
+        <p:spPr>
+          <a:xfrm>
+            <a:off x="5268689" y="4109479"/>
+            <a:ext cx="1093076" cy="279969"/>
+          </a:xfrm>
+          <a:prstGeom prst="rect">
+            <a:avLst/>
+          </a:prstGeom>
+          <a:noFill/>
+          <a:ln w="25400"/>
+        </p:spPr>
+        <p:style>
+          <a:lnRef idx="2">
+            <a:schemeClr val="accent1">
+              <a:shade val="15000"/>
+            </a:schemeClr>
+          </a:lnRef>
+          <a:fillRef idx="1">
+            <a:schemeClr val="accent1"/>
+          </a:fillRef>
+          <a:effectRef idx="0">
+            <a:schemeClr val="accent1"/>
+          </a:effectRef>
+          <a:fontRef idx="minor">
+            <a:schemeClr val="lt1"/>
+          </a:fontRef>
+        </p:style>
+        <p:txBody>
+          <a:bodyPr rtlCol="0" anchor="ctr"/>
+          <a:lstStyle/>
+          <a:p>
+            <a:pPr algn="ctr"/>
+            <a:endParaRPr lang="en-US"/>
+          </a:p>
+        </p:txBody>
+      </p:sp>
+      <p:sp>
+        <p:nvSpPr>
+          <p:cNvPr id="24" name="Rectangle 23">
+            <a:extLst>
+              <a:ext uri="{FF2B5EF4-FFF2-40B4-BE49-F238E27FC236}">
+                <a16:creationId xmlns:a16="http://schemas.microsoft.com/office/drawing/2014/main" id="{504C9A0E-2E24-F432-26C9-3EF68C22B118}"/>
+              </a:ext>
+            </a:extLst>
+          </p:cNvPr>
+          <p:cNvSpPr/>
+          <p:nvPr/>
+        </p:nvSpPr>
+        <p:spPr>
+          <a:xfrm>
+            <a:off x="5475519" y="2692074"/>
+            <a:ext cx="141514" cy="231379"/>
+          </a:xfrm>
+          <a:prstGeom prst="rect">
+            <a:avLst/>
+          </a:prstGeom>
+          <a:noFill/>
+          <a:ln w="25400"/>
+        </p:spPr>
+        <p:style>
+          <a:lnRef idx="2">
+            <a:schemeClr val="accent1">
+              <a:shade val="15000"/>
+            </a:schemeClr>
+          </a:lnRef>
+          <a:fillRef idx="1">
+            <a:schemeClr val="accent1"/>
+          </a:fillRef>
+          <a:effectRef idx="0">
+            <a:schemeClr val="accent1"/>
+          </a:effectRef>
+          <a:fontRef idx="minor">
+            <a:schemeClr val="lt1"/>
+          </a:fontRef>
+        </p:style>
+        <p:txBody>
+          <a:bodyPr rtlCol="0" anchor="ctr"/>
+          <a:lstStyle/>
+          <a:p>
+            <a:pPr algn="ctr"/>
+            <a:endParaRPr lang="en-US"/>
+          </a:p>
+        </p:txBody>
+      </p:sp>
+      <p:sp>
+        <p:nvSpPr>
+          <p:cNvPr id="25" name="Rectangle 24">
+            <a:extLst>
+              <a:ext uri="{FF2B5EF4-FFF2-40B4-BE49-F238E27FC236}">
+                <a16:creationId xmlns:a16="http://schemas.microsoft.com/office/drawing/2014/main" id="{C7B6222B-362C-651B-F211-DD0D38047193}"/>
+              </a:ext>
+            </a:extLst>
+          </p:cNvPr>
+          <p:cNvSpPr/>
+          <p:nvPr/>
+        </p:nvSpPr>
+        <p:spPr>
+          <a:xfrm>
+            <a:off x="5998033" y="2692072"/>
+            <a:ext cx="141514" cy="231379"/>
+          </a:xfrm>
+          <a:prstGeom prst="rect">
+            <a:avLst/>
+          </a:prstGeom>
+          <a:noFill/>
+          <a:ln w="25400"/>
+        </p:spPr>
+        <p:style>
+          <a:lnRef idx="2">
+            <a:schemeClr val="accent1">
+              <a:shade val="15000"/>
+            </a:schemeClr>
+          </a:lnRef>
+          <a:fillRef idx="1">
+            <a:schemeClr val="accent1"/>
+          </a:fillRef>
+          <a:effectRef idx="0">
+            <a:schemeClr val="accent1"/>
+          </a:effectRef>
+          <a:fontRef idx="minor">
+            <a:schemeClr val="lt1"/>
+          </a:fontRef>
+        </p:style>
+        <p:txBody>
+          <a:bodyPr rtlCol="0" anchor="ctr"/>
+          <a:lstStyle/>
+          <a:p>
+            <a:pPr algn="ctr"/>
+            <a:endParaRPr lang="en-US"/>
+          </a:p>
+        </p:txBody>
+      </p:sp>
+      <p:sp>
+        <p:nvSpPr>
+          <p:cNvPr id="27" name="Rectangle 26">
+            <a:extLst>
+              <a:ext uri="{FF2B5EF4-FFF2-40B4-BE49-F238E27FC236}">
+                <a16:creationId xmlns:a16="http://schemas.microsoft.com/office/drawing/2014/main" id="{01FF93C6-A6BE-89F8-126E-ABBCFD33F310}"/>
+              </a:ext>
+            </a:extLst>
+          </p:cNvPr>
+          <p:cNvSpPr/>
+          <p:nvPr/>
+        </p:nvSpPr>
+        <p:spPr>
+          <a:xfrm>
+            <a:off x="5475519" y="2344072"/>
+            <a:ext cx="664028" cy="170373"/>
+          </a:xfrm>
+          <a:prstGeom prst="rect">
+            <a:avLst/>
+          </a:prstGeom>
+          <a:noFill/>
+          <a:ln w="25400"/>
+        </p:spPr>
+        <p:style>
+          <a:lnRef idx="2">
+            <a:schemeClr val="accent1">
+              <a:shade val="15000"/>
+            </a:schemeClr>
+          </a:lnRef>
+          <a:fillRef idx="1">
+            <a:schemeClr val="accent1"/>
+          </a:fillRef>
+          <a:effectRef idx="0">
+            <a:schemeClr val="accent1"/>
+          </a:effectRef>
+          <a:fontRef idx="minor">
+            <a:schemeClr val="lt1"/>
+          </a:fontRef>
+        </p:style>
+        <p:txBody>
+          <a:bodyPr rtlCol="0" anchor="ctr"/>
+          <a:lstStyle/>
+          <a:p>
+            <a:pPr algn="ctr"/>
+            <a:endParaRPr lang="en-US"/>
+          </a:p>
+        </p:txBody>
+      </p:sp>
+      <p:sp>
+        <p:nvSpPr>
+          <p:cNvPr id="28" name="TextBox 27">
+            <a:extLst>
+              <a:ext uri="{FF2B5EF4-FFF2-40B4-BE49-F238E27FC236}">
+                <a16:creationId xmlns:a16="http://schemas.microsoft.com/office/drawing/2014/main" id="{6FD39C63-1EB5-761D-5983-7A07EC6CF263}"/>
+              </a:ext>
+            </a:extLst>
+          </p:cNvPr>
+          <p:cNvSpPr txBox="1"/>
+          <p:nvPr/>
+        </p:nvSpPr>
+        <p:spPr>
+          <a:xfrm>
+            <a:off x="4457538" y="2743107"/>
+            <a:ext cx="703336" cy="276999"/>
+          </a:xfrm>
+          <a:prstGeom prst="rect">
+            <a:avLst/>
+          </a:prstGeom>
+          <a:noFill/>
+        </p:spPr>
+        <p:txBody>
+          <a:bodyPr wrap="square" rtlCol="0">
+            <a:spAutoFit/>
+          </a:bodyPr>
+          <a:lstStyle/>
+          <a:p>
+            <a:pPr algn="ctr"/>
+            <a:r>
+              <a:rPr lang="en-US" sz="1200" dirty="0"/>
+              <a:t>bearing</a:t>
+            </a:r>
+          </a:p>
+        </p:txBody>
+      </p:sp>
+      <p:sp>
+        <p:nvSpPr>
+          <p:cNvPr id="29" name="TextBox 28">
+            <a:extLst>
+              <a:ext uri="{FF2B5EF4-FFF2-40B4-BE49-F238E27FC236}">
+                <a16:creationId xmlns:a16="http://schemas.microsoft.com/office/drawing/2014/main" id="{643779C3-2B68-3C5A-985B-0D08799055A1}"/>
+              </a:ext>
+            </a:extLst>
+          </p:cNvPr>
+          <p:cNvSpPr txBox="1"/>
+          <p:nvPr/>
+        </p:nvSpPr>
+        <p:spPr>
+          <a:xfrm>
+            <a:off x="4485477" y="4127721"/>
+            <a:ext cx="703336" cy="276999"/>
+          </a:xfrm>
+          <a:prstGeom prst="rect">
+            <a:avLst/>
+          </a:prstGeom>
+          <a:noFill/>
+        </p:spPr>
+        <p:txBody>
+          <a:bodyPr wrap="square" rtlCol="0">
+            <a:spAutoFit/>
+          </a:bodyPr>
+          <a:lstStyle/>
+          <a:p>
+            <a:pPr algn="ctr"/>
+            <a:r>
+              <a:rPr lang="en-US" sz="1200" dirty="0"/>
+              <a:t>bearing</a:t>
+            </a:r>
+          </a:p>
+        </p:txBody>
+      </p:sp>
+      <p:sp>
+        <p:nvSpPr>
+          <p:cNvPr id="30" name="TextBox 29">
+            <a:extLst>
+              <a:ext uri="{FF2B5EF4-FFF2-40B4-BE49-F238E27FC236}">
+                <a16:creationId xmlns:a16="http://schemas.microsoft.com/office/drawing/2014/main" id="{0F074E6E-B726-12A6-E956-1A7189378970}"/>
+              </a:ext>
+            </a:extLst>
+          </p:cNvPr>
+          <p:cNvSpPr txBox="1"/>
+          <p:nvPr/>
+        </p:nvSpPr>
+        <p:spPr>
+          <a:xfrm>
+            <a:off x="5290461" y="1900438"/>
+            <a:ext cx="1093076" cy="276999"/>
+          </a:xfrm>
+          <a:prstGeom prst="rect">
+            <a:avLst/>
+          </a:prstGeom>
+          <a:solidFill>
+            <a:schemeClr val="bg1">
+              <a:lumMod val="85000"/>
+            </a:schemeClr>
+          </a:solidFill>
+          <a:ln>
+            <a:noFill/>
+          </a:ln>
+        </p:spPr>
+        <p:txBody>
+          <a:bodyPr wrap="square" rtlCol="0">
+            <a:spAutoFit/>
+          </a:bodyPr>
+          <a:lstStyle/>
+          <a:p>
+            <a:pPr algn="ctr"/>
+            <a:r>
+              <a:rPr lang="en-US" sz="1200" dirty="0"/>
+              <a:t>pulley</a:t>
+            </a:r>
+          </a:p>
+        </p:txBody>
+      </p:sp>
+      <p:sp>
+        <p:nvSpPr>
+          <p:cNvPr id="31" name="TextBox 30">
+            <a:extLst>
+              <a:ext uri="{FF2B5EF4-FFF2-40B4-BE49-F238E27FC236}">
+                <a16:creationId xmlns:a16="http://schemas.microsoft.com/office/drawing/2014/main" id="{CB5BF55F-B1A5-116F-3FC8-D902CA203453}"/>
+              </a:ext>
+            </a:extLst>
+          </p:cNvPr>
+          <p:cNvSpPr txBox="1"/>
+          <p:nvPr/>
+        </p:nvSpPr>
+        <p:spPr>
+          <a:xfrm>
+            <a:off x="4876803" y="6281516"/>
+            <a:ext cx="1667621" cy="461665"/>
+          </a:xfrm>
+          <a:prstGeom prst="rect">
+            <a:avLst/>
+          </a:prstGeom>
+          <a:noFill/>
+        </p:spPr>
+        <p:txBody>
+          <a:bodyPr wrap="square" rtlCol="0">
+            <a:spAutoFit/>
+          </a:bodyPr>
+          <a:lstStyle/>
+          <a:p>
+            <a:pPr algn="ctr"/>
+            <a:r>
+              <a:rPr lang="en-US" sz="1200" dirty="0"/>
+              <a:t>spindle shaft </a:t>
+            </a:r>
+          </a:p>
+          <a:p>
+            <a:pPr algn="ctr"/>
+            <a:r>
+              <a:rPr lang="en-US" sz="1200" dirty="0"/>
+              <a:t>inserted from here</a:t>
+            </a:r>
+          </a:p>
+        </p:txBody>
+      </p:sp>
+      <p:sp>
+        <p:nvSpPr>
+          <p:cNvPr id="37" name="Right Triangle 36">
+            <a:extLst>
+              <a:ext uri="{FF2B5EF4-FFF2-40B4-BE49-F238E27FC236}">
+                <a16:creationId xmlns:a16="http://schemas.microsoft.com/office/drawing/2014/main" id="{6DF6BC8E-34EF-3787-57BB-7494DB4ACD5A}"/>
+              </a:ext>
+            </a:extLst>
+          </p:cNvPr>
+          <p:cNvSpPr/>
+          <p:nvPr/>
+        </p:nvSpPr>
+        <p:spPr>
+          <a:xfrm>
+            <a:off x="7053947" y="1902197"/>
+            <a:ext cx="315686" cy="275240"/>
+          </a:xfrm>
+          <a:prstGeom prst="rtTriangle">
+            <a:avLst/>
+          </a:prstGeom>
+          <a:solidFill>
+            <a:schemeClr val="bg1">
+              <a:lumMod val="85000"/>
+            </a:schemeClr>
+          </a:solidFill>
+          <a:ln>
+            <a:noFill/>
+          </a:ln>
+        </p:spPr>
+        <p:style>
+          <a:lnRef idx="2">
+            <a:schemeClr val="accent1">
+              <a:shade val="15000"/>
+            </a:schemeClr>
+          </a:lnRef>
+          <a:fillRef idx="1">
+            <a:schemeClr val="accent1"/>
+          </a:fillRef>
+          <a:effectRef idx="0">
+            <a:schemeClr val="accent1"/>
+          </a:effectRef>
+          <a:fontRef idx="minor">
+            <a:schemeClr val="lt1"/>
+          </a:fontRef>
+        </p:style>
+        <p:txBody>
+          <a:bodyPr rtlCol="0" anchor="ctr"/>
+          <a:lstStyle/>
+          <a:p>
+            <a:pPr algn="ctr"/>
+            <a:endParaRPr lang="en-US"/>
+          </a:p>
+        </p:txBody>
+      </p:sp>
+      <p:sp>
+        <p:nvSpPr>
+          <p:cNvPr id="38" name="Right Triangle 37">
+            <a:extLst>
+              <a:ext uri="{FF2B5EF4-FFF2-40B4-BE49-F238E27FC236}">
+                <a16:creationId xmlns:a16="http://schemas.microsoft.com/office/drawing/2014/main" id="{5432BF53-9EFC-EF94-770C-76DFC0C8DA69}"/>
+              </a:ext>
+            </a:extLst>
+          </p:cNvPr>
+          <p:cNvSpPr/>
+          <p:nvPr/>
+        </p:nvSpPr>
+        <p:spPr>
+          <a:xfrm rot="10800000" flipH="1">
+            <a:off x="7049313" y="1897411"/>
+            <a:ext cx="306997" cy="275240"/>
+          </a:xfrm>
+          <a:prstGeom prst="rtTriangle">
+            <a:avLst/>
+          </a:prstGeom>
+          <a:solidFill>
+            <a:schemeClr val="bg1">
+              <a:lumMod val="85000"/>
+            </a:schemeClr>
+          </a:solidFill>
+          <a:ln>
+            <a:noFill/>
+          </a:ln>
+        </p:spPr>
+        <p:style>
+          <a:lnRef idx="2">
+            <a:schemeClr val="accent1">
+              <a:shade val="15000"/>
+            </a:schemeClr>
+          </a:lnRef>
+          <a:fillRef idx="1">
+            <a:schemeClr val="accent1"/>
+          </a:fillRef>
+          <a:effectRef idx="0">
+            <a:schemeClr val="accent1"/>
+          </a:effectRef>
+          <a:fontRef idx="minor">
+            <a:schemeClr val="lt1"/>
+          </a:fontRef>
+        </p:style>
+        <p:txBody>
+          <a:bodyPr rtlCol="0" anchor="ctr"/>
+          <a:lstStyle/>
+          <a:p>
+            <a:pPr algn="ctr"/>
+            <a:endParaRPr lang="en-US"/>
+          </a:p>
+        </p:txBody>
+      </p:sp>
+      <p:sp>
+        <p:nvSpPr>
+          <p:cNvPr id="39" name="Right Triangle 38">
+            <a:extLst>
+              <a:ext uri="{FF2B5EF4-FFF2-40B4-BE49-F238E27FC236}">
+                <a16:creationId xmlns:a16="http://schemas.microsoft.com/office/drawing/2014/main" id="{0682520E-19FB-571F-742B-43916FB97130}"/>
+              </a:ext>
+            </a:extLst>
+          </p:cNvPr>
+          <p:cNvSpPr/>
+          <p:nvPr/>
+        </p:nvSpPr>
+        <p:spPr>
+          <a:xfrm rot="10800000">
+            <a:off x="4419606" y="1902200"/>
+            <a:ext cx="315686" cy="275240"/>
+          </a:xfrm>
+          <a:prstGeom prst="rtTriangle">
+            <a:avLst/>
+          </a:prstGeom>
+          <a:solidFill>
+            <a:schemeClr val="bg1">
+              <a:lumMod val="85000"/>
+            </a:schemeClr>
+          </a:solidFill>
+          <a:ln>
+            <a:noFill/>
+          </a:ln>
+        </p:spPr>
+        <p:style>
+          <a:lnRef idx="2">
+            <a:schemeClr val="accent1">
+              <a:shade val="15000"/>
+            </a:schemeClr>
+          </a:lnRef>
+          <a:fillRef idx="1">
+            <a:schemeClr val="accent1"/>
+          </a:fillRef>
+          <a:effectRef idx="0">
+            <a:schemeClr val="accent1"/>
+          </a:effectRef>
+          <a:fontRef idx="minor">
+            <a:schemeClr val="lt1"/>
+          </a:fontRef>
+        </p:style>
+        <p:txBody>
+          <a:bodyPr rtlCol="0" anchor="ctr"/>
+          <a:lstStyle/>
+          <a:p>
+            <a:pPr algn="ctr"/>
+            <a:endParaRPr lang="en-US"/>
+          </a:p>
+        </p:txBody>
+      </p:sp>
+      <p:sp>
+        <p:nvSpPr>
+          <p:cNvPr id="40" name="Right Triangle 39">
+            <a:extLst>
+              <a:ext uri="{FF2B5EF4-FFF2-40B4-BE49-F238E27FC236}">
+                <a16:creationId xmlns:a16="http://schemas.microsoft.com/office/drawing/2014/main" id="{FD633371-B5A6-DBEE-3E61-9963A577F375}"/>
+              </a:ext>
+            </a:extLst>
+          </p:cNvPr>
+          <p:cNvSpPr/>
+          <p:nvPr/>
+        </p:nvSpPr>
+        <p:spPr>
+          <a:xfrm flipH="1">
+            <a:off x="4414972" y="1897414"/>
+            <a:ext cx="306997" cy="275240"/>
+          </a:xfrm>
+          <a:prstGeom prst="rtTriangle">
+            <a:avLst/>
+          </a:prstGeom>
+          <a:solidFill>
+            <a:schemeClr val="bg1">
+              <a:lumMod val="85000"/>
+            </a:schemeClr>
+          </a:solidFill>
+          <a:ln>
+            <a:noFill/>
+          </a:ln>
+        </p:spPr>
+        <p:style>
+          <a:lnRef idx="2">
+            <a:schemeClr val="accent1">
+              <a:shade val="15000"/>
+            </a:schemeClr>
+          </a:lnRef>
+          <a:fillRef idx="1">
+            <a:schemeClr val="accent1"/>
+          </a:fillRef>
+          <a:effectRef idx="0">
+            <a:schemeClr val="accent1"/>
+          </a:effectRef>
+          <a:fontRef idx="minor">
+            <a:schemeClr val="lt1"/>
+          </a:fontRef>
+        </p:style>
+        <p:txBody>
+          <a:bodyPr rtlCol="0" anchor="ctr"/>
+          <a:lstStyle/>
+          <a:p>
+            <a:pPr algn="ctr"/>
+            <a:endParaRPr lang="en-US"/>
+          </a:p>
+        </p:txBody>
+      </p:sp>
+      <p:sp>
+        <p:nvSpPr>
+          <p:cNvPr id="41" name="Rectangle 40">
+            <a:extLst>
+              <a:ext uri="{FF2B5EF4-FFF2-40B4-BE49-F238E27FC236}">
+                <a16:creationId xmlns:a16="http://schemas.microsoft.com/office/drawing/2014/main" id="{5660F785-45C5-13C0-C8D5-624025F86367}"/>
+              </a:ext>
+            </a:extLst>
+          </p:cNvPr>
+          <p:cNvSpPr/>
+          <p:nvPr/>
+        </p:nvSpPr>
+        <p:spPr>
+          <a:xfrm>
+            <a:off x="5475520" y="3023953"/>
+            <a:ext cx="664027" cy="1000259"/>
+          </a:xfrm>
+          <a:prstGeom prst="rect">
+            <a:avLst/>
+          </a:prstGeom>
+          <a:noFill/>
+          <a:ln w="25400"/>
+        </p:spPr>
+        <p:style>
+          <a:lnRef idx="2">
+            <a:schemeClr val="accent1">
+              <a:shade val="15000"/>
+            </a:schemeClr>
+          </a:lnRef>
+          <a:fillRef idx="1">
+            <a:schemeClr val="accent1"/>
+          </a:fillRef>
+          <a:effectRef idx="0">
+            <a:schemeClr val="accent1"/>
+          </a:effectRef>
+          <a:fontRef idx="minor">
+            <a:schemeClr val="lt1"/>
+          </a:fontRef>
+        </p:style>
+        <p:txBody>
+          <a:bodyPr rtlCol="0" anchor="ctr"/>
+          <a:lstStyle/>
+          <a:p>
+            <a:pPr algn="ctr"/>
+            <a:endParaRPr lang="en-US"/>
+          </a:p>
+        </p:txBody>
+      </p:sp>
+      <p:sp>
+        <p:nvSpPr>
+          <p:cNvPr id="42" name="Rectangle 41">
+            <a:extLst>
+              <a:ext uri="{FF2B5EF4-FFF2-40B4-BE49-F238E27FC236}">
+                <a16:creationId xmlns:a16="http://schemas.microsoft.com/office/drawing/2014/main" id="{8B5C17A9-1E28-B17F-FD1A-BCC260B47CFC}"/>
+              </a:ext>
+            </a:extLst>
+          </p:cNvPr>
+          <p:cNvSpPr/>
+          <p:nvPr/>
+        </p:nvSpPr>
+        <p:spPr>
+          <a:xfrm>
+            <a:off x="5617034" y="3023953"/>
+            <a:ext cx="381000" cy="1000259"/>
+          </a:xfrm>
+          <a:prstGeom prst="rect">
+            <a:avLst/>
+          </a:prstGeom>
+          <a:noFill/>
+          <a:ln w="25400"/>
+        </p:spPr>
+        <p:style>
+          <a:lnRef idx="2">
+            <a:schemeClr val="accent1">
+              <a:shade val="15000"/>
+            </a:schemeClr>
+          </a:lnRef>
+          <a:fillRef idx="1">
+            <a:schemeClr val="accent1"/>
+          </a:fillRef>
+          <a:effectRef idx="0">
+            <a:schemeClr val="accent1"/>
+          </a:effectRef>
+          <a:fontRef idx="minor">
+            <a:schemeClr val="lt1"/>
+          </a:fontRef>
+        </p:style>
+        <p:txBody>
+          <a:bodyPr rtlCol="0" anchor="ctr"/>
+          <a:lstStyle/>
+          <a:p>
+            <a:pPr algn="ctr"/>
+            <a:endParaRPr lang="en-US"/>
+          </a:p>
+        </p:txBody>
+      </p:sp>
+      <p:sp>
+        <p:nvSpPr>
+          <p:cNvPr id="43" name="TextBox 42">
+            <a:extLst>
+              <a:ext uri="{FF2B5EF4-FFF2-40B4-BE49-F238E27FC236}">
+                <a16:creationId xmlns:a16="http://schemas.microsoft.com/office/drawing/2014/main" id="{FBAB446B-2EE6-3BB6-AA8F-FE650A372AAD}"/>
+              </a:ext>
+            </a:extLst>
+          </p:cNvPr>
+          <p:cNvSpPr txBox="1"/>
+          <p:nvPr/>
+        </p:nvSpPr>
+        <p:spPr>
+          <a:xfrm>
+            <a:off x="4710015" y="3326346"/>
+            <a:ext cx="703336" cy="461665"/>
+          </a:xfrm>
+          <a:prstGeom prst="rect">
+            <a:avLst/>
+          </a:prstGeom>
+          <a:noFill/>
+        </p:spPr>
+        <p:txBody>
+          <a:bodyPr wrap="square" rtlCol="0">
+            <a:spAutoFit/>
+          </a:bodyPr>
+          <a:lstStyle/>
+          <a:p>
+            <a:pPr algn="ctr"/>
+            <a:r>
+              <a:rPr lang="en-US" sz="1200" dirty="0"/>
+              <a:t>insert</a:t>
+            </a:r>
+          </a:p>
+          <a:p>
+            <a:pPr algn="ctr"/>
+            <a:r>
+              <a:rPr lang="en-US" sz="1200" dirty="0"/>
+              <a:t>bushing</a:t>
+            </a:r>
+          </a:p>
+        </p:txBody>
+      </p:sp>
+      <p:sp>
+        <p:nvSpPr>
+          <p:cNvPr id="44" name="Rectangle 43">
+            <a:extLst>
+              <a:ext uri="{FF2B5EF4-FFF2-40B4-BE49-F238E27FC236}">
+                <a16:creationId xmlns:a16="http://schemas.microsoft.com/office/drawing/2014/main" id="{93CA4992-D4D1-0186-EE49-6A3F0AD3301B}"/>
+              </a:ext>
+            </a:extLst>
+          </p:cNvPr>
+          <p:cNvSpPr/>
+          <p:nvPr/>
+        </p:nvSpPr>
+        <p:spPr>
+          <a:xfrm>
+            <a:off x="5475520" y="4104695"/>
+            <a:ext cx="141514" cy="279969"/>
+          </a:xfrm>
+          <a:prstGeom prst="rect">
+            <a:avLst/>
+          </a:prstGeom>
+          <a:noFill/>
+          <a:ln w="25400"/>
+        </p:spPr>
+        <p:style>
+          <a:lnRef idx="2">
+            <a:schemeClr val="accent1">
+              <a:shade val="15000"/>
+            </a:schemeClr>
+          </a:lnRef>
+          <a:fillRef idx="1">
+            <a:schemeClr val="accent1"/>
+          </a:fillRef>
+          <a:effectRef idx="0">
+            <a:schemeClr val="accent1"/>
+          </a:effectRef>
+          <a:fontRef idx="minor">
+            <a:schemeClr val="lt1"/>
+          </a:fontRef>
+        </p:style>
+        <p:txBody>
+          <a:bodyPr rtlCol="0" anchor="ctr"/>
+          <a:lstStyle/>
+          <a:p>
+            <a:pPr algn="ctr"/>
+            <a:endParaRPr lang="en-US"/>
+          </a:p>
+        </p:txBody>
+      </p:sp>
+      <p:sp>
+        <p:nvSpPr>
+          <p:cNvPr id="45" name="Rectangle 44">
+            <a:extLst>
+              <a:ext uri="{FF2B5EF4-FFF2-40B4-BE49-F238E27FC236}">
+                <a16:creationId xmlns:a16="http://schemas.microsoft.com/office/drawing/2014/main" id="{93A0B0CF-10DE-66AD-B6BB-F4D0334FA94E}"/>
+              </a:ext>
+            </a:extLst>
+          </p:cNvPr>
+          <p:cNvSpPr/>
+          <p:nvPr/>
+        </p:nvSpPr>
+        <p:spPr>
+          <a:xfrm>
+            <a:off x="5998034" y="4104693"/>
+            <a:ext cx="141514" cy="279969"/>
+          </a:xfrm>
+          <a:prstGeom prst="rect">
+            <a:avLst/>
+          </a:prstGeom>
+          <a:noFill/>
+          <a:ln w="25400"/>
+        </p:spPr>
+        <p:style>
+          <a:lnRef idx="2">
+            <a:schemeClr val="accent1">
+              <a:shade val="15000"/>
+            </a:schemeClr>
+          </a:lnRef>
+          <a:fillRef idx="1">
+            <a:schemeClr val="accent1"/>
+          </a:fillRef>
+          <a:effectRef idx="0">
+            <a:schemeClr val="accent1"/>
+          </a:effectRef>
+          <a:fontRef idx="minor">
+            <a:schemeClr val="lt1"/>
+          </a:fontRef>
+        </p:style>
+        <p:txBody>
+          <a:bodyPr rtlCol="0" anchor="ctr"/>
+          <a:lstStyle/>
+          <a:p>
+            <a:pPr algn="ctr"/>
+            <a:endParaRPr lang="en-US"/>
+          </a:p>
+        </p:txBody>
+      </p:sp>
+      <p:pic>
+        <p:nvPicPr>
+          <p:cNvPr id="1028" name="Picture 4" descr="John Deere M153583 Pulley Spindle Nut">
+            <a:extLst>
+              <a:ext uri="{FF2B5EF4-FFF2-40B4-BE49-F238E27FC236}">
+                <a16:creationId xmlns:a16="http://schemas.microsoft.com/office/drawing/2014/main" id="{97C7AD85-419F-4B4A-D347-C54567A7490F}"/>
+              </a:ext>
+            </a:extLst>
+          </p:cNvPr>
+          <p:cNvPicPr>
+            <a:picLocks noChangeAspect="1" noChangeArrowheads="1"/>
+          </p:cNvPicPr>
+          <p:nvPr/>
+        </p:nvPicPr>
+        <p:blipFill>
+          <a:blip r:embed="rId7" cstate="email">
+            <a:extLst>
+              <a:ext uri="{28A0092B-C50C-407E-A947-70E740481C1C}">
+                <a14:useLocalDpi xmlns:a14="http://schemas.microsoft.com/office/drawing/2010/main"/>
+              </a:ext>
+            </a:extLst>
+          </a:blip>
+          <a:srcRect/>
+          <a:stretch>
+            <a:fillRect/>
+          </a:stretch>
+        </p:blipFill>
+        <p:spPr bwMode="auto">
+          <a:xfrm>
+            <a:off x="5453749" y="1069920"/>
+            <a:ext cx="715569" cy="715569"/>
+          </a:xfrm>
+          <a:prstGeom prst="rect">
+            <a:avLst/>
+          </a:prstGeom>
+          <a:noFill/>
+          <a:extLst>
+            <a:ext uri="{909E8E84-426E-40DD-AFC4-6F175D3DCCD1}">
+              <a14:hiddenFill xmlns:a14="http://schemas.microsoft.com/office/drawing/2010/main">
+                <a:solidFill>
+                  <a:srgbClr val="FFFFFF"/>
+                </a:solidFill>
+              </a14:hiddenFill>
+            </a:ext>
+          </a:extLst>
+        </p:spPr>
+      </p:pic>
+      <p:sp>
+        <p:nvSpPr>
+          <p:cNvPr id="46" name="TextBox 45">
+            <a:extLst>
+              <a:ext uri="{FF2B5EF4-FFF2-40B4-BE49-F238E27FC236}">
+                <a16:creationId xmlns:a16="http://schemas.microsoft.com/office/drawing/2014/main" id="{9DF9BB92-8DEF-3C11-F0EE-5E6771AB4CB8}"/>
+              </a:ext>
+            </a:extLst>
+          </p:cNvPr>
+          <p:cNvSpPr txBox="1"/>
+          <p:nvPr/>
+        </p:nvSpPr>
+        <p:spPr>
+          <a:xfrm>
+            <a:off x="4809206" y="1331820"/>
+            <a:ext cx="703336" cy="276999"/>
+          </a:xfrm>
+          <a:prstGeom prst="rect">
+            <a:avLst/>
+          </a:prstGeom>
+          <a:noFill/>
+        </p:spPr>
+        <p:txBody>
+          <a:bodyPr wrap="square" rtlCol="0">
+            <a:spAutoFit/>
+          </a:bodyPr>
+          <a:lstStyle/>
+          <a:p>
+            <a:pPr algn="ctr"/>
+            <a:r>
+              <a:rPr lang="en-US" sz="1200" dirty="0"/>
+              <a:t>nut</a:t>
+            </a:r>
+          </a:p>
+        </p:txBody>
+      </p:sp>
+      <p:sp>
+        <p:nvSpPr>
+          <p:cNvPr id="47" name="TextBox 46">
+            <a:extLst>
+              <a:ext uri="{FF2B5EF4-FFF2-40B4-BE49-F238E27FC236}">
+                <a16:creationId xmlns:a16="http://schemas.microsoft.com/office/drawing/2014/main" id="{4B12CDF8-84A5-F958-A6BA-14043B75845E}"/>
+              </a:ext>
+            </a:extLst>
+          </p:cNvPr>
+          <p:cNvSpPr txBox="1"/>
+          <p:nvPr/>
+        </p:nvSpPr>
+        <p:spPr>
+          <a:xfrm>
+            <a:off x="4202826" y="2207634"/>
+            <a:ext cx="1268637" cy="461665"/>
+          </a:xfrm>
+          <a:prstGeom prst="rect">
+            <a:avLst/>
+          </a:prstGeom>
+          <a:noFill/>
+        </p:spPr>
+        <p:txBody>
+          <a:bodyPr wrap="square" rtlCol="0">
+            <a:spAutoFit/>
+          </a:bodyPr>
+          <a:lstStyle/>
+          <a:p>
+            <a:pPr algn="ctr"/>
+            <a:r>
+              <a:rPr lang="en-US" sz="1200" dirty="0"/>
+              <a:t>bushing </a:t>
+            </a:r>
+          </a:p>
+          <a:p>
+            <a:pPr algn="ctr"/>
+            <a:r>
+              <a:rPr lang="en-US" sz="1200" dirty="0"/>
+              <a:t>(spacer, washer)</a:t>
+            </a:r>
+          </a:p>
+        </p:txBody>
+      </p:sp>
+      <p:pic>
+        <p:nvPicPr>
+          <p:cNvPr id="3" name="Picture 2">
+            <a:extLst>
+              <a:ext uri="{FF2B5EF4-FFF2-40B4-BE49-F238E27FC236}">
+                <a16:creationId xmlns:a16="http://schemas.microsoft.com/office/drawing/2014/main" id="{81A4B17E-5CBA-0685-0D19-C28748ED9F45}"/>
+              </a:ext>
+            </a:extLst>
+          </p:cNvPr>
+          <p:cNvPicPr>
+            <a:picLocks noChangeAspect="1"/>
+          </p:cNvPicPr>
+          <p:nvPr/>
+        </p:nvPicPr>
+        <p:blipFill>
+          <a:blip r:embed="rId8" cstate="email">
+            <a:extLst>
+              <a:ext uri="{28A0092B-C50C-407E-A947-70E740481C1C}">
+                <a14:useLocalDpi xmlns:a14="http://schemas.microsoft.com/office/drawing/2010/main"/>
+              </a:ext>
+            </a:extLst>
+          </a:blip>
+          <a:stretch>
+            <a:fillRect/>
+          </a:stretch>
+        </p:blipFill>
+        <p:spPr>
+          <a:xfrm>
+            <a:off x="186857" y="4586338"/>
+            <a:ext cx="1971754" cy="1967382"/>
+          </a:xfrm>
+          <a:prstGeom prst="rect">
+            <a:avLst/>
+          </a:prstGeom>
+        </p:spPr>
+      </p:pic>
+      <p:sp>
+        <p:nvSpPr>
+          <p:cNvPr id="4" name="TextBox 3">
+            <a:extLst>
+              <a:ext uri="{FF2B5EF4-FFF2-40B4-BE49-F238E27FC236}">
+                <a16:creationId xmlns:a16="http://schemas.microsoft.com/office/drawing/2014/main" id="{2136CE1B-25DC-A85E-6601-2AF77025DD82}"/>
+              </a:ext>
+            </a:extLst>
+          </p:cNvPr>
+          <p:cNvSpPr txBox="1"/>
+          <p:nvPr/>
+        </p:nvSpPr>
+        <p:spPr>
+          <a:xfrm>
+            <a:off x="748752" y="4275247"/>
+            <a:ext cx="1022350" cy="276999"/>
+          </a:xfrm>
+          <a:prstGeom prst="rect">
+            <a:avLst/>
+          </a:prstGeom>
+          <a:noFill/>
+        </p:spPr>
+        <p:txBody>
+          <a:bodyPr wrap="square" rtlCol="0">
+            <a:spAutoFit/>
+          </a:bodyPr>
+          <a:lstStyle/>
+          <a:p>
+            <a:pPr algn="ctr"/>
+            <a:r>
+              <a:rPr lang="en-US" sz="1200" dirty="0"/>
+              <a:t>spindle hub</a:t>
+            </a:r>
+          </a:p>
+        </p:txBody>
+      </p:sp>
+      <p:pic>
+        <p:nvPicPr>
+          <p:cNvPr id="5" name="Picture 4">
+            <a:extLst>
+              <a:ext uri="{FF2B5EF4-FFF2-40B4-BE49-F238E27FC236}">
+                <a16:creationId xmlns:a16="http://schemas.microsoft.com/office/drawing/2014/main" id="{0E6397A7-59A1-342E-F7B6-1E0DEFED6931}"/>
+              </a:ext>
+            </a:extLst>
+          </p:cNvPr>
+          <p:cNvPicPr>
+            <a:picLocks noChangeAspect="1"/>
+          </p:cNvPicPr>
+          <p:nvPr/>
+        </p:nvPicPr>
+        <p:blipFill>
+          <a:blip r:embed="rId9" cstate="email">
+            <a:extLst>
+              <a:ext uri="{28A0092B-C50C-407E-A947-70E740481C1C}">
+                <a14:useLocalDpi xmlns:a14="http://schemas.microsoft.com/office/drawing/2010/main"/>
+              </a:ext>
+            </a:extLst>
+          </a:blip>
+          <a:stretch>
+            <a:fillRect/>
+          </a:stretch>
+        </p:blipFill>
+        <p:spPr>
+          <a:xfrm>
+            <a:off x="9996055" y="3000161"/>
+            <a:ext cx="2104634" cy="2464704"/>
+          </a:xfrm>
+          <a:prstGeom prst="rect">
+            <a:avLst/>
+          </a:prstGeom>
+        </p:spPr>
+      </p:pic>
+      <p:pic>
+        <p:nvPicPr>
+          <p:cNvPr id="6" name="Picture 5">
+            <a:extLst>
+              <a:ext uri="{FF2B5EF4-FFF2-40B4-BE49-F238E27FC236}">
+                <a16:creationId xmlns:a16="http://schemas.microsoft.com/office/drawing/2014/main" id="{11E098BF-90CF-94DE-AF1B-1B0E120DA42C}"/>
+              </a:ext>
+            </a:extLst>
+          </p:cNvPr>
+          <p:cNvPicPr>
+            <a:picLocks noChangeAspect="1"/>
+          </p:cNvPicPr>
+          <p:nvPr/>
+        </p:nvPicPr>
+        <p:blipFill>
+          <a:blip r:embed="rId10" cstate="email">
+            <a:extLst>
+              <a:ext uri="{28A0092B-C50C-407E-A947-70E740481C1C}">
+                <a14:useLocalDpi xmlns:a14="http://schemas.microsoft.com/office/drawing/2010/main"/>
+              </a:ext>
+            </a:extLst>
+          </a:blip>
+          <a:stretch>
+            <a:fillRect/>
+          </a:stretch>
+        </p:blipFill>
+        <p:spPr>
+          <a:xfrm>
+            <a:off x="9116297" y="3065993"/>
+            <a:ext cx="1742280" cy="1209254"/>
+          </a:xfrm>
+          <a:prstGeom prst="rect">
+            <a:avLst/>
+          </a:prstGeom>
+          <a:ln>
+            <a:solidFill>
+              <a:srgbClr val="FF0000"/>
+            </a:solidFill>
+          </a:ln>
+        </p:spPr>
+      </p:pic>
+      <p:sp>
+        <p:nvSpPr>
+          <p:cNvPr id="8" name="TextBox 7">
+            <a:extLst>
+              <a:ext uri="{FF2B5EF4-FFF2-40B4-BE49-F238E27FC236}">
+                <a16:creationId xmlns:a16="http://schemas.microsoft.com/office/drawing/2014/main" id="{C3F81A96-5DF9-E7E3-1385-F0305F33DAC6}"/>
+              </a:ext>
+            </a:extLst>
+          </p:cNvPr>
+          <p:cNvSpPr txBox="1"/>
+          <p:nvPr/>
+        </p:nvSpPr>
+        <p:spPr>
+          <a:xfrm>
+            <a:off x="8966703" y="5233313"/>
+            <a:ext cx="1020734" cy="461665"/>
+          </a:xfrm>
+          <a:prstGeom prst="rect">
+            <a:avLst/>
+          </a:prstGeom>
+          <a:noFill/>
+        </p:spPr>
+        <p:txBody>
+          <a:bodyPr wrap="square" rtlCol="0">
+            <a:spAutoFit/>
+          </a:bodyPr>
+          <a:lstStyle/>
+          <a:p>
+            <a:pPr algn="ctr"/>
+            <a:r>
+              <a:rPr lang="en-US" sz="1200" dirty="0"/>
+              <a:t>spindle shaft woodruff key</a:t>
+            </a:r>
+          </a:p>
+        </p:txBody>
+      </p:sp>
+      <p:pic>
+        <p:nvPicPr>
+          <p:cNvPr id="10" name="Picture 9">
+            <a:extLst>
+              <a:ext uri="{FF2B5EF4-FFF2-40B4-BE49-F238E27FC236}">
+                <a16:creationId xmlns:a16="http://schemas.microsoft.com/office/drawing/2014/main" id="{E49846F6-439C-0000-A00D-E5D1BE1065CE}"/>
+              </a:ext>
+            </a:extLst>
+          </p:cNvPr>
+          <p:cNvPicPr>
+            <a:picLocks noChangeAspect="1"/>
+          </p:cNvPicPr>
+          <p:nvPr/>
+        </p:nvPicPr>
+        <p:blipFill>
+          <a:blip r:embed="rId11" cstate="email">
+            <a:extLst>
+              <a:ext uri="{28A0092B-C50C-407E-A947-70E740481C1C}">
+                <a14:useLocalDpi xmlns:a14="http://schemas.microsoft.com/office/drawing/2010/main"/>
+              </a:ext>
+            </a:extLst>
+          </a:blip>
+          <a:stretch>
+            <a:fillRect/>
+          </a:stretch>
+        </p:blipFill>
+        <p:spPr>
+          <a:xfrm>
+            <a:off x="9028406" y="4392361"/>
+            <a:ext cx="703281" cy="323321"/>
+          </a:xfrm>
+          <a:prstGeom prst="rect">
+            <a:avLst/>
+          </a:prstGeom>
+        </p:spPr>
+      </p:pic>
+      <p:pic>
+        <p:nvPicPr>
+          <p:cNvPr id="11" name="Picture 10">
+            <a:extLst>
+              <a:ext uri="{FF2B5EF4-FFF2-40B4-BE49-F238E27FC236}">
+                <a16:creationId xmlns:a16="http://schemas.microsoft.com/office/drawing/2014/main" id="{7FD5FEC5-7354-E076-481A-F4ACA9D8CD2B}"/>
+              </a:ext>
+            </a:extLst>
+          </p:cNvPr>
+          <p:cNvPicPr>
+            <a:picLocks noChangeAspect="1"/>
+          </p:cNvPicPr>
+          <p:nvPr/>
+        </p:nvPicPr>
+        <p:blipFill>
+          <a:blip r:embed="rId12" cstate="email">
+            <a:extLst>
+              <a:ext uri="{28A0092B-C50C-407E-A947-70E740481C1C}">
+                <a14:useLocalDpi xmlns:a14="http://schemas.microsoft.com/office/drawing/2010/main"/>
+              </a:ext>
+            </a:extLst>
+          </a:blip>
+          <a:stretch>
+            <a:fillRect/>
+          </a:stretch>
+        </p:blipFill>
+        <p:spPr>
+          <a:xfrm>
+            <a:off x="9046625" y="4792878"/>
+            <a:ext cx="699400" cy="450844"/>
+          </a:xfrm>
+          <a:prstGeom prst="rect">
+            <a:avLst/>
+          </a:prstGeom>
+        </p:spPr>
+      </p:pic>
+      <p:sp>
+        <p:nvSpPr>
+          <p:cNvPr id="13" name="TextBox 12">
+            <a:extLst>
+              <a:ext uri="{FF2B5EF4-FFF2-40B4-BE49-F238E27FC236}">
+                <a16:creationId xmlns:a16="http://schemas.microsoft.com/office/drawing/2014/main" id="{6FCA6B48-4739-76F1-047A-5D29C25C80AB}"/>
+              </a:ext>
+            </a:extLst>
+          </p:cNvPr>
+          <p:cNvSpPr txBox="1"/>
+          <p:nvPr/>
+        </p:nvSpPr>
+        <p:spPr>
+          <a:xfrm>
+            <a:off x="7147980" y="4520978"/>
+            <a:ext cx="1720674" cy="830997"/>
+          </a:xfrm>
+          <a:prstGeom prst="rect">
+            <a:avLst/>
+          </a:prstGeom>
+          <a:noFill/>
+        </p:spPr>
+        <p:txBody>
+          <a:bodyPr wrap="square" rtlCol="0">
+            <a:spAutoFit/>
+          </a:bodyPr>
+          <a:lstStyle/>
+          <a:p>
+            <a:pPr algn="ctr"/>
+            <a:r>
+              <a:rPr lang="en-US" sz="1200" dirty="0"/>
+              <a:t>Woodruff keys are semi-circular discs used to connect shaft and pulley to rotate together</a:t>
+            </a:r>
+          </a:p>
+        </p:txBody>
+      </p:sp>
+      <p:pic>
+        <p:nvPicPr>
+          <p:cNvPr id="16" name="Picture 15">
+            <a:extLst>
+              <a:ext uri="{FF2B5EF4-FFF2-40B4-BE49-F238E27FC236}">
+                <a16:creationId xmlns:a16="http://schemas.microsoft.com/office/drawing/2014/main" id="{6A334A0A-24D7-6C9F-E2E7-4322B416BF34}"/>
+              </a:ext>
+            </a:extLst>
+          </p:cNvPr>
+          <p:cNvPicPr>
+            <a:picLocks noChangeAspect="1"/>
+          </p:cNvPicPr>
+          <p:nvPr/>
+        </p:nvPicPr>
+        <p:blipFill>
+          <a:blip r:embed="rId13" cstate="email">
+            <a:extLst>
+              <a:ext uri="{28A0092B-C50C-407E-A947-70E740481C1C}">
+                <a14:useLocalDpi xmlns:a14="http://schemas.microsoft.com/office/drawing/2010/main"/>
+              </a:ext>
+            </a:extLst>
+          </a:blip>
+          <a:stretch>
+            <a:fillRect/>
+          </a:stretch>
+        </p:blipFill>
+        <p:spPr>
+          <a:xfrm>
+            <a:off x="7507607" y="5923035"/>
+            <a:ext cx="1742280" cy="625149"/>
+          </a:xfrm>
+          <a:prstGeom prst="rect">
+            <a:avLst/>
+          </a:prstGeom>
+          <a:ln>
+            <a:solidFill>
+              <a:schemeClr val="accent1"/>
+            </a:solidFill>
+          </a:ln>
+        </p:spPr>
+      </p:pic>
+    </p:spTree>
+    <p:extLst>
+      <p:ext uri="{BB962C8B-B14F-4D97-AF65-F5344CB8AC3E}">
+        <p14:creationId xmlns:p14="http://schemas.microsoft.com/office/powerpoint/2010/main" val="3231152173"/>
+      </p:ext>
+    </p:extLst>
+  </p:cSld>
+  <p:clrMapOvr>
+    <a:masterClrMapping/>
+  </p:clrMapOvr>
+</p:sld>
+</file>
+
 <file path=ppt/slides/slide5.xml><?xml version="1.0" encoding="utf-8"?>
 <p:sld xmlns:a="http://schemas.openxmlformats.org/drawingml/2006/main" xmlns:r="http://schemas.openxmlformats.org/officeDocument/2006/relationships" xmlns:p="http://schemas.openxmlformats.org/presentationml/2006/main">
   <p:cSld>
@@ -5852,64 +7310,10 @@
       </p:grpSpPr>
       <p:sp>
         <p:nvSpPr>
-          <p:cNvPr id="36" name="Rectangle 35">
-            <a:extLst>
-              <a:ext uri="{FF2B5EF4-FFF2-40B4-BE49-F238E27FC236}">
-                <a16:creationId xmlns:a16="http://schemas.microsoft.com/office/drawing/2014/main" id="{C2E3CF2A-C4BA-5DFD-36CB-DAC810B0D3BB}"/>
-              </a:ext>
-            </a:extLst>
-          </p:cNvPr>
-          <p:cNvSpPr/>
-          <p:nvPr/>
-        </p:nvSpPr>
-        <p:spPr>
-          <a:xfrm>
-            <a:off x="4737983" y="1900438"/>
-            <a:ext cx="2315963" cy="276999"/>
-          </a:xfrm>
-          <a:prstGeom prst="rect">
-            <a:avLst/>
-          </a:prstGeom>
-          <a:solidFill>
-            <a:schemeClr val="bg1">
-              <a:lumMod val="85000"/>
-            </a:schemeClr>
-          </a:solidFill>
-          <a:ln>
-            <a:noFill/>
-          </a:ln>
-        </p:spPr>
-        <p:style>
-          <a:lnRef idx="2">
-            <a:schemeClr val="accent1">
-              <a:shade val="15000"/>
-            </a:schemeClr>
-          </a:lnRef>
-          <a:fillRef idx="1">
-            <a:schemeClr val="accent1"/>
-          </a:fillRef>
-          <a:effectRef idx="0">
-            <a:schemeClr val="accent1"/>
-          </a:effectRef>
-          <a:fontRef idx="minor">
-            <a:schemeClr val="lt1"/>
-          </a:fontRef>
-        </p:style>
-        <p:txBody>
-          <a:bodyPr rtlCol="0" anchor="ctr"/>
-          <a:lstStyle/>
-          <a:p>
-            <a:pPr algn="ctr"/>
-            <a:endParaRPr lang="en-US"/>
-          </a:p>
-        </p:txBody>
-      </p:sp>
-      <p:sp>
-        <p:nvSpPr>
           <p:cNvPr id="2" name="TextBox 1">
             <a:extLst>
               <a:ext uri="{FF2B5EF4-FFF2-40B4-BE49-F238E27FC236}">
-                <a16:creationId xmlns:a16="http://schemas.microsoft.com/office/drawing/2014/main" id="{F1D4F527-8FD9-2801-24F0-71FFECCC11E0}"/>
+                <a16:creationId xmlns:a16="http://schemas.microsoft.com/office/drawing/2014/main" id="{B7B9B836-28F9-422A-F700-BCB256EF61BC}"/>
               </a:ext>
             </a:extLst>
           </p:cNvPr>
@@ -5918,8 +7322,8 @@
         </p:nvSpPr>
         <p:spPr>
           <a:xfrm>
-            <a:off x="168166" y="111093"/>
-            <a:ext cx="4117119" cy="523220"/>
+            <a:off x="-1" y="0"/>
+            <a:ext cx="3470313" cy="523220"/>
           </a:xfrm>
           <a:prstGeom prst="rect">
             <a:avLst/>
@@ -5934,125 +7338,17 @@
           <a:p>
             <a:r>
               <a:rPr lang="en-US" sz="2800" b="1" dirty="0"/>
-              <a:t>60" deck, spindles, pulley</a:t>
-            </a:r>
-          </a:p>
-        </p:txBody>
-      </p:sp>
-      <p:pic>
-        <p:nvPicPr>
-          <p:cNvPr id="12" name="Picture 11">
-            <a:extLst>
-              <a:ext uri="{FF2B5EF4-FFF2-40B4-BE49-F238E27FC236}">
-                <a16:creationId xmlns:a16="http://schemas.microsoft.com/office/drawing/2014/main" id="{C1479CE6-79CE-470A-00DF-D0DC3AB57C5C}"/>
-              </a:ext>
-            </a:extLst>
-          </p:cNvPr>
-          <p:cNvPicPr>
-            <a:picLocks noChangeAspect="1"/>
-          </p:cNvPicPr>
-          <p:nvPr/>
-        </p:nvPicPr>
-        <p:blipFill>
-          <a:blip r:embed="rId2" cstate="email">
-            <a:extLst>
-              <a:ext uri="{28A0092B-C50C-407E-A947-70E740481C1C}">
-                <a14:useLocalDpi xmlns:a14="http://schemas.microsoft.com/office/drawing/2010/main"/>
-              </a:ext>
-            </a:extLst>
-          </a:blip>
-          <a:stretch>
-            <a:fillRect/>
-          </a:stretch>
-        </p:blipFill>
-        <p:spPr>
-          <a:xfrm>
-            <a:off x="9625831" y="111093"/>
-            <a:ext cx="2507532" cy="2584450"/>
-          </a:xfrm>
-          <a:prstGeom prst="rect">
-            <a:avLst/>
-          </a:prstGeom>
-        </p:spPr>
-      </p:pic>
-      <p:pic>
-        <p:nvPicPr>
-          <p:cNvPr id="14" name="Picture 13">
-            <a:extLst>
-              <a:ext uri="{FF2B5EF4-FFF2-40B4-BE49-F238E27FC236}">
-                <a16:creationId xmlns:a16="http://schemas.microsoft.com/office/drawing/2014/main" id="{2F294491-F267-467A-5C27-39D573011A33}"/>
-              </a:ext>
-            </a:extLst>
-          </p:cNvPr>
-          <p:cNvPicPr>
-            <a:picLocks noChangeAspect="1"/>
-          </p:cNvPicPr>
-          <p:nvPr/>
-        </p:nvPicPr>
-        <p:blipFill>
-          <a:blip r:embed="rId3" cstate="email">
-            <a:extLst>
-              <a:ext uri="{28A0092B-C50C-407E-A947-70E740481C1C}">
-                <a14:useLocalDpi xmlns:a14="http://schemas.microsoft.com/office/drawing/2010/main"/>
-              </a:ext>
-            </a:extLst>
-          </a:blip>
-          <a:stretch>
-            <a:fillRect/>
-          </a:stretch>
-        </p:blipFill>
-        <p:spPr>
-          <a:xfrm>
-            <a:off x="168166" y="1071507"/>
-            <a:ext cx="1825964" cy="2357494"/>
-          </a:xfrm>
-          <a:prstGeom prst="rect">
-            <a:avLst/>
-          </a:prstGeom>
-        </p:spPr>
-      </p:pic>
-      <p:pic>
-        <p:nvPicPr>
-          <p:cNvPr id="15" name="Picture 14">
-            <a:extLst>
-              <a:ext uri="{FF2B5EF4-FFF2-40B4-BE49-F238E27FC236}">
-                <a16:creationId xmlns:a16="http://schemas.microsoft.com/office/drawing/2014/main" id="{77A4297F-2B7A-25DD-8F34-0CE6143B95A0}"/>
-              </a:ext>
-            </a:extLst>
-          </p:cNvPr>
-          <p:cNvPicPr>
-            <a:picLocks noChangeAspect="1"/>
-          </p:cNvPicPr>
-          <p:nvPr/>
-        </p:nvPicPr>
-        <p:blipFill>
-          <a:blip r:embed="rId4" cstate="email">
-            <a:extLst>
-              <a:ext uri="{28A0092B-C50C-407E-A947-70E740481C1C}">
-                <a14:useLocalDpi xmlns:a14="http://schemas.microsoft.com/office/drawing/2010/main"/>
-              </a:ext>
-            </a:extLst>
-          </a:blip>
-          <a:stretch>
-            <a:fillRect/>
-          </a:stretch>
-        </p:blipFill>
-        <p:spPr>
-          <a:xfrm>
-            <a:off x="5436266" y="4463045"/>
-            <a:ext cx="703281" cy="1777860"/>
-          </a:xfrm>
-          <a:prstGeom prst="rect">
-            <a:avLst/>
-          </a:prstGeom>
-        </p:spPr>
-      </p:pic>
-      <p:sp>
-        <p:nvSpPr>
-          <p:cNvPr id="17" name="TextBox 16">
-            <a:extLst>
-              <a:ext uri="{FF2B5EF4-FFF2-40B4-BE49-F238E27FC236}">
-                <a16:creationId xmlns:a16="http://schemas.microsoft.com/office/drawing/2014/main" id="{6492CF95-2AC8-AFDC-A4D0-B7CC74B71E15}"/>
+              <a:t>Little Bull Loader</a:t>
+            </a:r>
+          </a:p>
+        </p:txBody>
+      </p:sp>
+      <p:sp>
+        <p:nvSpPr>
+          <p:cNvPr id="4" name="TextBox 3">
+            <a:extLst>
+              <a:ext uri="{FF2B5EF4-FFF2-40B4-BE49-F238E27FC236}">
+                <a16:creationId xmlns:a16="http://schemas.microsoft.com/office/drawing/2014/main" id="{07EFB1A7-51B9-A3EB-86E4-0C0F6337BDB9}"/>
               </a:ext>
             </a:extLst>
           </p:cNvPr>
@@ -6061,8 +7357,8 @@
         </p:nvSpPr>
         <p:spPr>
           <a:xfrm>
-            <a:off x="431548" y="3430811"/>
-            <a:ext cx="1022350" cy="276999"/>
+            <a:off x="136078" y="658291"/>
+            <a:ext cx="4204138" cy="954107"/>
           </a:xfrm>
           <a:prstGeom prst="rect">
             <a:avLst/>
@@ -6075,1020 +7371,58 @@
           </a:bodyPr>
           <a:lstStyle/>
           <a:p>
-            <a:pPr algn="ctr"/>
-            <a:r>
-              <a:rPr lang="en-US" sz="1200" dirty="0"/>
-              <a:t>deck</a:t>
-            </a:r>
+            <a:pPr marL="119063" indent="-119063">
+              <a:buFont typeface="Arial" panose="020B0604020202020204" pitchFamily="34" charset="0"/>
+              <a:buChar char="•"/>
+            </a:pPr>
+            <a:r>
+              <a:rPr lang="en-US" sz="1400" dirty="0">
+                <a:hlinkClick r:id="rId2"/>
+              </a:rPr>
+              <a:t>https://www.youtube.com/watch?v=FwDi80FUzXU</a:t>
+            </a:r>
+            <a:endParaRPr lang="en-US" sz="1400" dirty="0"/>
+          </a:p>
+          <a:p>
+            <a:pPr marL="119063" indent="-119063">
+              <a:buFont typeface="Arial" panose="020B0604020202020204" pitchFamily="34" charset="0"/>
+              <a:buChar char="•"/>
+            </a:pPr>
+            <a:r>
+              <a:rPr lang="en-US" sz="1400" dirty="0">
+                <a:hlinkClick r:id="rId3"/>
+              </a:rPr>
+              <a:t>https://</a:t>
+            </a:r>
+            <a:r>
+              <a:rPr lang="en-US" sz="1400" dirty="0" err="1">
+                <a:hlinkClick r:id="rId3"/>
+              </a:rPr>
+              <a:t>www.littlebuckloader.com</a:t>
+            </a:r>
+            <a:endParaRPr lang="en-US" sz="1400" dirty="0"/>
+          </a:p>
+          <a:p>
+            <a:pPr marL="119063" indent="-119063">
+              <a:buFont typeface="Arial" panose="020B0604020202020204" pitchFamily="34" charset="0"/>
+              <a:buChar char="•"/>
+            </a:pPr>
+            <a:r>
+              <a:rPr lang="en-US" sz="1400" dirty="0">
+                <a:hlinkClick r:id="rId4"/>
+              </a:rPr>
+              <a:t>https://www.littlebuckloader.com/shop/p/little-bull-loader-front-end-loader-john-deere</a:t>
+            </a:r>
+            <a:endParaRPr lang="en-US" sz="1400" dirty="0"/>
           </a:p>
         </p:txBody>
       </p:sp>
       <p:pic>
         <p:nvPicPr>
-          <p:cNvPr id="18" name="Picture 17">
-            <a:extLst>
-              <a:ext uri="{FF2B5EF4-FFF2-40B4-BE49-F238E27FC236}">
-                <a16:creationId xmlns:a16="http://schemas.microsoft.com/office/drawing/2014/main" id="{E303D0F3-578A-310B-426D-6CDE9F2CDD23}"/>
-              </a:ext>
-            </a:extLst>
-          </p:cNvPr>
-          <p:cNvPicPr>
-            <a:picLocks noChangeAspect="1"/>
-          </p:cNvPicPr>
-          <p:nvPr/>
-        </p:nvPicPr>
-        <p:blipFill>
-          <a:blip r:embed="rId5" cstate="email">
-            <a:extLst>
-              <a:ext uri="{28A0092B-C50C-407E-A947-70E740481C1C}">
-                <a14:useLocalDpi xmlns:a14="http://schemas.microsoft.com/office/drawing/2010/main"/>
-              </a:ext>
-            </a:extLst>
-          </a:blip>
-          <a:stretch>
-            <a:fillRect/>
-          </a:stretch>
-        </p:blipFill>
-        <p:spPr>
-          <a:xfrm>
-            <a:off x="2159280" y="1069920"/>
-            <a:ext cx="1677934" cy="1704628"/>
-          </a:xfrm>
-          <a:prstGeom prst="rect">
-            <a:avLst/>
-          </a:prstGeom>
-        </p:spPr>
-      </p:pic>
-      <p:sp>
-        <p:nvSpPr>
-          <p:cNvPr id="19" name="TextBox 18">
-            <a:extLst>
-              <a:ext uri="{FF2B5EF4-FFF2-40B4-BE49-F238E27FC236}">
-                <a16:creationId xmlns:a16="http://schemas.microsoft.com/office/drawing/2014/main" id="{1867E133-035E-7D82-3455-0D83F0E76CB8}"/>
-              </a:ext>
-            </a:extLst>
-          </p:cNvPr>
-          <p:cNvSpPr txBox="1"/>
-          <p:nvPr/>
-        </p:nvSpPr>
-        <p:spPr>
-          <a:xfrm>
-            <a:off x="2424455" y="2834042"/>
-            <a:ext cx="1022350" cy="461665"/>
-          </a:xfrm>
-          <a:prstGeom prst="rect">
-            <a:avLst/>
-          </a:prstGeom>
-          <a:noFill/>
-        </p:spPr>
-        <p:txBody>
-          <a:bodyPr wrap="square" rtlCol="0">
-            <a:spAutoFit/>
-          </a:bodyPr>
-          <a:lstStyle/>
-          <a:p>
-            <a:pPr algn="ctr"/>
-            <a:r>
-              <a:rPr lang="en-US" sz="1200" dirty="0"/>
-              <a:t>spindle hub</a:t>
-            </a:r>
-          </a:p>
-          <a:p>
-            <a:pPr algn="ctr"/>
-            <a:r>
-              <a:rPr lang="en-US" sz="1200" dirty="0"/>
-              <a:t>with pulley</a:t>
-            </a:r>
-          </a:p>
-        </p:txBody>
-      </p:sp>
-      <p:pic>
-        <p:nvPicPr>
-          <p:cNvPr id="20" name="Picture 19">
-            <a:extLst>
-              <a:ext uri="{FF2B5EF4-FFF2-40B4-BE49-F238E27FC236}">
-                <a16:creationId xmlns:a16="http://schemas.microsoft.com/office/drawing/2014/main" id="{8E2DAB17-A81B-70EB-9854-F59478032EFD}"/>
-              </a:ext>
-            </a:extLst>
-          </p:cNvPr>
-          <p:cNvPicPr>
-            <a:picLocks noChangeAspect="1"/>
-          </p:cNvPicPr>
-          <p:nvPr/>
-        </p:nvPicPr>
-        <p:blipFill>
-          <a:blip r:embed="rId6" cstate="email">
-            <a:extLst>
-              <a:ext uri="{28A0092B-C50C-407E-A947-70E740481C1C}">
-                <a14:useLocalDpi xmlns:a14="http://schemas.microsoft.com/office/drawing/2010/main"/>
-              </a:ext>
-            </a:extLst>
-          </a:blip>
-          <a:stretch>
-            <a:fillRect/>
-          </a:stretch>
-        </p:blipFill>
-        <p:spPr>
-          <a:xfrm>
-            <a:off x="10128935" y="5654514"/>
-            <a:ext cx="1971754" cy="1162193"/>
-          </a:xfrm>
-          <a:prstGeom prst="rect">
-            <a:avLst/>
-          </a:prstGeom>
-        </p:spPr>
-      </p:pic>
-      <p:sp>
-        <p:nvSpPr>
-          <p:cNvPr id="21" name="TextBox 20">
-            <a:extLst>
-              <a:ext uri="{FF2B5EF4-FFF2-40B4-BE49-F238E27FC236}">
-                <a16:creationId xmlns:a16="http://schemas.microsoft.com/office/drawing/2014/main" id="{81E3D317-D771-666D-55D6-D034003A33DC}"/>
-              </a:ext>
-            </a:extLst>
-          </p:cNvPr>
-          <p:cNvSpPr txBox="1"/>
-          <p:nvPr/>
-        </p:nvSpPr>
-        <p:spPr>
-          <a:xfrm>
-            <a:off x="10368422" y="2695543"/>
-            <a:ext cx="1022350" cy="276999"/>
-          </a:xfrm>
-          <a:prstGeom prst="rect">
-            <a:avLst/>
-          </a:prstGeom>
-          <a:noFill/>
-        </p:spPr>
-        <p:txBody>
-          <a:bodyPr wrap="square" rtlCol="0">
-            <a:spAutoFit/>
-          </a:bodyPr>
-          <a:lstStyle/>
-          <a:p>
-            <a:pPr algn="ctr"/>
-            <a:r>
-              <a:rPr lang="en-US" sz="1200" dirty="0"/>
-              <a:t>spindle shaft</a:t>
-            </a:r>
-          </a:p>
-        </p:txBody>
-      </p:sp>
-      <p:sp>
-        <p:nvSpPr>
-          <p:cNvPr id="22" name="Rectangle 21">
-            <a:extLst>
-              <a:ext uri="{FF2B5EF4-FFF2-40B4-BE49-F238E27FC236}">
-                <a16:creationId xmlns:a16="http://schemas.microsoft.com/office/drawing/2014/main" id="{BE6CE2D1-947C-418A-CBDC-AC5FACC5B62D}"/>
-              </a:ext>
-            </a:extLst>
-          </p:cNvPr>
-          <p:cNvSpPr/>
-          <p:nvPr/>
-        </p:nvSpPr>
-        <p:spPr>
-          <a:xfrm>
-            <a:off x="5268689" y="2692078"/>
-            <a:ext cx="1093076" cy="231379"/>
-          </a:xfrm>
-          <a:prstGeom prst="rect">
-            <a:avLst/>
-          </a:prstGeom>
-          <a:noFill/>
-          <a:ln w="25400"/>
-        </p:spPr>
-        <p:style>
-          <a:lnRef idx="2">
-            <a:schemeClr val="accent1">
-              <a:shade val="15000"/>
-            </a:schemeClr>
-          </a:lnRef>
-          <a:fillRef idx="1">
-            <a:schemeClr val="accent1"/>
-          </a:fillRef>
-          <a:effectRef idx="0">
-            <a:schemeClr val="accent1"/>
-          </a:effectRef>
-          <a:fontRef idx="minor">
-            <a:schemeClr val="lt1"/>
-          </a:fontRef>
-        </p:style>
-        <p:txBody>
-          <a:bodyPr rtlCol="0" anchor="ctr"/>
-          <a:lstStyle/>
-          <a:p>
-            <a:pPr algn="ctr"/>
-            <a:endParaRPr lang="en-US"/>
-          </a:p>
-        </p:txBody>
-      </p:sp>
-      <p:sp>
-        <p:nvSpPr>
-          <p:cNvPr id="23" name="Rectangle 22">
-            <a:extLst>
-              <a:ext uri="{FF2B5EF4-FFF2-40B4-BE49-F238E27FC236}">
-                <a16:creationId xmlns:a16="http://schemas.microsoft.com/office/drawing/2014/main" id="{70DE2D15-4CE0-62E9-50F6-265C6ADECA33}"/>
-              </a:ext>
-            </a:extLst>
-          </p:cNvPr>
-          <p:cNvSpPr/>
-          <p:nvPr/>
-        </p:nvSpPr>
-        <p:spPr>
-          <a:xfrm>
-            <a:off x="5268689" y="4109479"/>
-            <a:ext cx="1093076" cy="279969"/>
-          </a:xfrm>
-          <a:prstGeom prst="rect">
-            <a:avLst/>
-          </a:prstGeom>
-          <a:noFill/>
-          <a:ln w="25400"/>
-        </p:spPr>
-        <p:style>
-          <a:lnRef idx="2">
-            <a:schemeClr val="accent1">
-              <a:shade val="15000"/>
-            </a:schemeClr>
-          </a:lnRef>
-          <a:fillRef idx="1">
-            <a:schemeClr val="accent1"/>
-          </a:fillRef>
-          <a:effectRef idx="0">
-            <a:schemeClr val="accent1"/>
-          </a:effectRef>
-          <a:fontRef idx="minor">
-            <a:schemeClr val="lt1"/>
-          </a:fontRef>
-        </p:style>
-        <p:txBody>
-          <a:bodyPr rtlCol="0" anchor="ctr"/>
-          <a:lstStyle/>
-          <a:p>
-            <a:pPr algn="ctr"/>
-            <a:endParaRPr lang="en-US"/>
-          </a:p>
-        </p:txBody>
-      </p:sp>
-      <p:sp>
-        <p:nvSpPr>
-          <p:cNvPr id="24" name="Rectangle 23">
-            <a:extLst>
-              <a:ext uri="{FF2B5EF4-FFF2-40B4-BE49-F238E27FC236}">
-                <a16:creationId xmlns:a16="http://schemas.microsoft.com/office/drawing/2014/main" id="{504C9A0E-2E24-F432-26C9-3EF68C22B118}"/>
-              </a:ext>
-            </a:extLst>
-          </p:cNvPr>
-          <p:cNvSpPr/>
-          <p:nvPr/>
-        </p:nvSpPr>
-        <p:spPr>
-          <a:xfrm>
-            <a:off x="5475519" y="2692074"/>
-            <a:ext cx="141514" cy="231379"/>
-          </a:xfrm>
-          <a:prstGeom prst="rect">
-            <a:avLst/>
-          </a:prstGeom>
-          <a:noFill/>
-          <a:ln w="25400"/>
-        </p:spPr>
-        <p:style>
-          <a:lnRef idx="2">
-            <a:schemeClr val="accent1">
-              <a:shade val="15000"/>
-            </a:schemeClr>
-          </a:lnRef>
-          <a:fillRef idx="1">
-            <a:schemeClr val="accent1"/>
-          </a:fillRef>
-          <a:effectRef idx="0">
-            <a:schemeClr val="accent1"/>
-          </a:effectRef>
-          <a:fontRef idx="minor">
-            <a:schemeClr val="lt1"/>
-          </a:fontRef>
-        </p:style>
-        <p:txBody>
-          <a:bodyPr rtlCol="0" anchor="ctr"/>
-          <a:lstStyle/>
-          <a:p>
-            <a:pPr algn="ctr"/>
-            <a:endParaRPr lang="en-US"/>
-          </a:p>
-        </p:txBody>
-      </p:sp>
-      <p:sp>
-        <p:nvSpPr>
-          <p:cNvPr id="25" name="Rectangle 24">
-            <a:extLst>
-              <a:ext uri="{FF2B5EF4-FFF2-40B4-BE49-F238E27FC236}">
-                <a16:creationId xmlns:a16="http://schemas.microsoft.com/office/drawing/2014/main" id="{C7B6222B-362C-651B-F211-DD0D38047193}"/>
-              </a:ext>
-            </a:extLst>
-          </p:cNvPr>
-          <p:cNvSpPr/>
-          <p:nvPr/>
-        </p:nvSpPr>
-        <p:spPr>
-          <a:xfrm>
-            <a:off x="5998033" y="2692072"/>
-            <a:ext cx="141514" cy="231379"/>
-          </a:xfrm>
-          <a:prstGeom prst="rect">
-            <a:avLst/>
-          </a:prstGeom>
-          <a:noFill/>
-          <a:ln w="25400"/>
-        </p:spPr>
-        <p:style>
-          <a:lnRef idx="2">
-            <a:schemeClr val="accent1">
-              <a:shade val="15000"/>
-            </a:schemeClr>
-          </a:lnRef>
-          <a:fillRef idx="1">
-            <a:schemeClr val="accent1"/>
-          </a:fillRef>
-          <a:effectRef idx="0">
-            <a:schemeClr val="accent1"/>
-          </a:effectRef>
-          <a:fontRef idx="minor">
-            <a:schemeClr val="lt1"/>
-          </a:fontRef>
-        </p:style>
-        <p:txBody>
-          <a:bodyPr rtlCol="0" anchor="ctr"/>
-          <a:lstStyle/>
-          <a:p>
-            <a:pPr algn="ctr"/>
-            <a:endParaRPr lang="en-US"/>
-          </a:p>
-        </p:txBody>
-      </p:sp>
-      <p:sp>
-        <p:nvSpPr>
-          <p:cNvPr id="27" name="Rectangle 26">
-            <a:extLst>
-              <a:ext uri="{FF2B5EF4-FFF2-40B4-BE49-F238E27FC236}">
-                <a16:creationId xmlns:a16="http://schemas.microsoft.com/office/drawing/2014/main" id="{01FF93C6-A6BE-89F8-126E-ABBCFD33F310}"/>
-              </a:ext>
-            </a:extLst>
-          </p:cNvPr>
-          <p:cNvSpPr/>
-          <p:nvPr/>
-        </p:nvSpPr>
-        <p:spPr>
-          <a:xfrm>
-            <a:off x="5475519" y="2344072"/>
-            <a:ext cx="664028" cy="170373"/>
-          </a:xfrm>
-          <a:prstGeom prst="rect">
-            <a:avLst/>
-          </a:prstGeom>
-          <a:noFill/>
-          <a:ln w="25400"/>
-        </p:spPr>
-        <p:style>
-          <a:lnRef idx="2">
-            <a:schemeClr val="accent1">
-              <a:shade val="15000"/>
-            </a:schemeClr>
-          </a:lnRef>
-          <a:fillRef idx="1">
-            <a:schemeClr val="accent1"/>
-          </a:fillRef>
-          <a:effectRef idx="0">
-            <a:schemeClr val="accent1"/>
-          </a:effectRef>
-          <a:fontRef idx="minor">
-            <a:schemeClr val="lt1"/>
-          </a:fontRef>
-        </p:style>
-        <p:txBody>
-          <a:bodyPr rtlCol="0" anchor="ctr"/>
-          <a:lstStyle/>
-          <a:p>
-            <a:pPr algn="ctr"/>
-            <a:endParaRPr lang="en-US"/>
-          </a:p>
-        </p:txBody>
-      </p:sp>
-      <p:sp>
-        <p:nvSpPr>
-          <p:cNvPr id="28" name="TextBox 27">
-            <a:extLst>
-              <a:ext uri="{FF2B5EF4-FFF2-40B4-BE49-F238E27FC236}">
-                <a16:creationId xmlns:a16="http://schemas.microsoft.com/office/drawing/2014/main" id="{6FD39C63-1EB5-761D-5983-7A07EC6CF263}"/>
-              </a:ext>
-            </a:extLst>
-          </p:cNvPr>
-          <p:cNvSpPr txBox="1"/>
-          <p:nvPr/>
-        </p:nvSpPr>
-        <p:spPr>
-          <a:xfrm>
-            <a:off x="4457538" y="2743107"/>
-            <a:ext cx="703336" cy="276999"/>
-          </a:xfrm>
-          <a:prstGeom prst="rect">
-            <a:avLst/>
-          </a:prstGeom>
-          <a:noFill/>
-        </p:spPr>
-        <p:txBody>
-          <a:bodyPr wrap="square" rtlCol="0">
-            <a:spAutoFit/>
-          </a:bodyPr>
-          <a:lstStyle/>
-          <a:p>
-            <a:pPr algn="ctr"/>
-            <a:r>
-              <a:rPr lang="en-US" sz="1200" dirty="0"/>
-              <a:t>bearing</a:t>
-            </a:r>
-          </a:p>
-        </p:txBody>
-      </p:sp>
-      <p:sp>
-        <p:nvSpPr>
-          <p:cNvPr id="29" name="TextBox 28">
-            <a:extLst>
-              <a:ext uri="{FF2B5EF4-FFF2-40B4-BE49-F238E27FC236}">
-                <a16:creationId xmlns:a16="http://schemas.microsoft.com/office/drawing/2014/main" id="{643779C3-2B68-3C5A-985B-0D08799055A1}"/>
-              </a:ext>
-            </a:extLst>
-          </p:cNvPr>
-          <p:cNvSpPr txBox="1"/>
-          <p:nvPr/>
-        </p:nvSpPr>
-        <p:spPr>
-          <a:xfrm>
-            <a:off x="4485477" y="4127721"/>
-            <a:ext cx="703336" cy="276999"/>
-          </a:xfrm>
-          <a:prstGeom prst="rect">
-            <a:avLst/>
-          </a:prstGeom>
-          <a:noFill/>
-        </p:spPr>
-        <p:txBody>
-          <a:bodyPr wrap="square" rtlCol="0">
-            <a:spAutoFit/>
-          </a:bodyPr>
-          <a:lstStyle/>
-          <a:p>
-            <a:pPr algn="ctr"/>
-            <a:r>
-              <a:rPr lang="en-US" sz="1200" dirty="0"/>
-              <a:t>bearing</a:t>
-            </a:r>
-          </a:p>
-        </p:txBody>
-      </p:sp>
-      <p:sp>
-        <p:nvSpPr>
-          <p:cNvPr id="30" name="TextBox 29">
-            <a:extLst>
-              <a:ext uri="{FF2B5EF4-FFF2-40B4-BE49-F238E27FC236}">
-                <a16:creationId xmlns:a16="http://schemas.microsoft.com/office/drawing/2014/main" id="{0F074E6E-B726-12A6-E956-1A7189378970}"/>
-              </a:ext>
-            </a:extLst>
-          </p:cNvPr>
-          <p:cNvSpPr txBox="1"/>
-          <p:nvPr/>
-        </p:nvSpPr>
-        <p:spPr>
-          <a:xfrm>
-            <a:off x="5290461" y="1900438"/>
-            <a:ext cx="1093076" cy="276999"/>
-          </a:xfrm>
-          <a:prstGeom prst="rect">
-            <a:avLst/>
-          </a:prstGeom>
-          <a:solidFill>
-            <a:schemeClr val="bg1">
-              <a:lumMod val="85000"/>
-            </a:schemeClr>
-          </a:solidFill>
-          <a:ln>
-            <a:noFill/>
-          </a:ln>
-        </p:spPr>
-        <p:txBody>
-          <a:bodyPr wrap="square" rtlCol="0">
-            <a:spAutoFit/>
-          </a:bodyPr>
-          <a:lstStyle/>
-          <a:p>
-            <a:pPr algn="ctr"/>
-            <a:r>
-              <a:rPr lang="en-US" sz="1200" dirty="0"/>
-              <a:t>pulley</a:t>
-            </a:r>
-          </a:p>
-        </p:txBody>
-      </p:sp>
-      <p:sp>
-        <p:nvSpPr>
-          <p:cNvPr id="31" name="TextBox 30">
-            <a:extLst>
-              <a:ext uri="{FF2B5EF4-FFF2-40B4-BE49-F238E27FC236}">
-                <a16:creationId xmlns:a16="http://schemas.microsoft.com/office/drawing/2014/main" id="{CB5BF55F-B1A5-116F-3FC8-D902CA203453}"/>
-              </a:ext>
-            </a:extLst>
-          </p:cNvPr>
-          <p:cNvSpPr txBox="1"/>
-          <p:nvPr/>
-        </p:nvSpPr>
-        <p:spPr>
-          <a:xfrm>
-            <a:off x="4876803" y="6281516"/>
-            <a:ext cx="1667621" cy="461665"/>
-          </a:xfrm>
-          <a:prstGeom prst="rect">
-            <a:avLst/>
-          </a:prstGeom>
-          <a:noFill/>
-        </p:spPr>
-        <p:txBody>
-          <a:bodyPr wrap="square" rtlCol="0">
-            <a:spAutoFit/>
-          </a:bodyPr>
-          <a:lstStyle/>
-          <a:p>
-            <a:pPr algn="ctr"/>
-            <a:r>
-              <a:rPr lang="en-US" sz="1200" dirty="0"/>
-              <a:t>spindle shaft </a:t>
-            </a:r>
-          </a:p>
-          <a:p>
-            <a:pPr algn="ctr"/>
-            <a:r>
-              <a:rPr lang="en-US" sz="1200" dirty="0"/>
-              <a:t>inserted from here</a:t>
-            </a:r>
-          </a:p>
-        </p:txBody>
-      </p:sp>
-      <p:sp>
-        <p:nvSpPr>
-          <p:cNvPr id="37" name="Right Triangle 36">
-            <a:extLst>
-              <a:ext uri="{FF2B5EF4-FFF2-40B4-BE49-F238E27FC236}">
-                <a16:creationId xmlns:a16="http://schemas.microsoft.com/office/drawing/2014/main" id="{6DF6BC8E-34EF-3787-57BB-7494DB4ACD5A}"/>
-              </a:ext>
-            </a:extLst>
-          </p:cNvPr>
-          <p:cNvSpPr/>
-          <p:nvPr/>
-        </p:nvSpPr>
-        <p:spPr>
-          <a:xfrm>
-            <a:off x="7053947" y="1902197"/>
-            <a:ext cx="315686" cy="275240"/>
-          </a:xfrm>
-          <a:prstGeom prst="rtTriangle">
-            <a:avLst/>
-          </a:prstGeom>
-          <a:solidFill>
-            <a:schemeClr val="bg1">
-              <a:lumMod val="85000"/>
-            </a:schemeClr>
-          </a:solidFill>
-          <a:ln>
-            <a:noFill/>
-          </a:ln>
-        </p:spPr>
-        <p:style>
-          <a:lnRef idx="2">
-            <a:schemeClr val="accent1">
-              <a:shade val="15000"/>
-            </a:schemeClr>
-          </a:lnRef>
-          <a:fillRef idx="1">
-            <a:schemeClr val="accent1"/>
-          </a:fillRef>
-          <a:effectRef idx="0">
-            <a:schemeClr val="accent1"/>
-          </a:effectRef>
-          <a:fontRef idx="minor">
-            <a:schemeClr val="lt1"/>
-          </a:fontRef>
-        </p:style>
-        <p:txBody>
-          <a:bodyPr rtlCol="0" anchor="ctr"/>
-          <a:lstStyle/>
-          <a:p>
-            <a:pPr algn="ctr"/>
-            <a:endParaRPr lang="en-US"/>
-          </a:p>
-        </p:txBody>
-      </p:sp>
-      <p:sp>
-        <p:nvSpPr>
-          <p:cNvPr id="38" name="Right Triangle 37">
-            <a:extLst>
-              <a:ext uri="{FF2B5EF4-FFF2-40B4-BE49-F238E27FC236}">
-                <a16:creationId xmlns:a16="http://schemas.microsoft.com/office/drawing/2014/main" id="{5432BF53-9EFC-EF94-770C-76DFC0C8DA69}"/>
-              </a:ext>
-            </a:extLst>
-          </p:cNvPr>
-          <p:cNvSpPr/>
-          <p:nvPr/>
-        </p:nvSpPr>
-        <p:spPr>
-          <a:xfrm rot="10800000" flipH="1">
-            <a:off x="7049313" y="1897411"/>
-            <a:ext cx="306997" cy="275240"/>
-          </a:xfrm>
-          <a:prstGeom prst="rtTriangle">
-            <a:avLst/>
-          </a:prstGeom>
-          <a:solidFill>
-            <a:schemeClr val="bg1">
-              <a:lumMod val="85000"/>
-            </a:schemeClr>
-          </a:solidFill>
-          <a:ln>
-            <a:noFill/>
-          </a:ln>
-        </p:spPr>
-        <p:style>
-          <a:lnRef idx="2">
-            <a:schemeClr val="accent1">
-              <a:shade val="15000"/>
-            </a:schemeClr>
-          </a:lnRef>
-          <a:fillRef idx="1">
-            <a:schemeClr val="accent1"/>
-          </a:fillRef>
-          <a:effectRef idx="0">
-            <a:schemeClr val="accent1"/>
-          </a:effectRef>
-          <a:fontRef idx="minor">
-            <a:schemeClr val="lt1"/>
-          </a:fontRef>
-        </p:style>
-        <p:txBody>
-          <a:bodyPr rtlCol="0" anchor="ctr"/>
-          <a:lstStyle/>
-          <a:p>
-            <a:pPr algn="ctr"/>
-            <a:endParaRPr lang="en-US"/>
-          </a:p>
-        </p:txBody>
-      </p:sp>
-      <p:sp>
-        <p:nvSpPr>
-          <p:cNvPr id="39" name="Right Triangle 38">
-            <a:extLst>
-              <a:ext uri="{FF2B5EF4-FFF2-40B4-BE49-F238E27FC236}">
-                <a16:creationId xmlns:a16="http://schemas.microsoft.com/office/drawing/2014/main" id="{0682520E-19FB-571F-742B-43916FB97130}"/>
-              </a:ext>
-            </a:extLst>
-          </p:cNvPr>
-          <p:cNvSpPr/>
-          <p:nvPr/>
-        </p:nvSpPr>
-        <p:spPr>
-          <a:xfrm rot="10800000">
-            <a:off x="4419606" y="1902200"/>
-            <a:ext cx="315686" cy="275240"/>
-          </a:xfrm>
-          <a:prstGeom prst="rtTriangle">
-            <a:avLst/>
-          </a:prstGeom>
-          <a:solidFill>
-            <a:schemeClr val="bg1">
-              <a:lumMod val="85000"/>
-            </a:schemeClr>
-          </a:solidFill>
-          <a:ln>
-            <a:noFill/>
-          </a:ln>
-        </p:spPr>
-        <p:style>
-          <a:lnRef idx="2">
-            <a:schemeClr val="accent1">
-              <a:shade val="15000"/>
-            </a:schemeClr>
-          </a:lnRef>
-          <a:fillRef idx="1">
-            <a:schemeClr val="accent1"/>
-          </a:fillRef>
-          <a:effectRef idx="0">
-            <a:schemeClr val="accent1"/>
-          </a:effectRef>
-          <a:fontRef idx="minor">
-            <a:schemeClr val="lt1"/>
-          </a:fontRef>
-        </p:style>
-        <p:txBody>
-          <a:bodyPr rtlCol="0" anchor="ctr"/>
-          <a:lstStyle/>
-          <a:p>
-            <a:pPr algn="ctr"/>
-            <a:endParaRPr lang="en-US"/>
-          </a:p>
-        </p:txBody>
-      </p:sp>
-      <p:sp>
-        <p:nvSpPr>
-          <p:cNvPr id="40" name="Right Triangle 39">
-            <a:extLst>
-              <a:ext uri="{FF2B5EF4-FFF2-40B4-BE49-F238E27FC236}">
-                <a16:creationId xmlns:a16="http://schemas.microsoft.com/office/drawing/2014/main" id="{FD633371-B5A6-DBEE-3E61-9963A577F375}"/>
-              </a:ext>
-            </a:extLst>
-          </p:cNvPr>
-          <p:cNvSpPr/>
-          <p:nvPr/>
-        </p:nvSpPr>
-        <p:spPr>
-          <a:xfrm flipH="1">
-            <a:off x="4414972" y="1897414"/>
-            <a:ext cx="306997" cy="275240"/>
-          </a:xfrm>
-          <a:prstGeom prst="rtTriangle">
-            <a:avLst/>
-          </a:prstGeom>
-          <a:solidFill>
-            <a:schemeClr val="bg1">
-              <a:lumMod val="85000"/>
-            </a:schemeClr>
-          </a:solidFill>
-          <a:ln>
-            <a:noFill/>
-          </a:ln>
-        </p:spPr>
-        <p:style>
-          <a:lnRef idx="2">
-            <a:schemeClr val="accent1">
-              <a:shade val="15000"/>
-            </a:schemeClr>
-          </a:lnRef>
-          <a:fillRef idx="1">
-            <a:schemeClr val="accent1"/>
-          </a:fillRef>
-          <a:effectRef idx="0">
-            <a:schemeClr val="accent1"/>
-          </a:effectRef>
-          <a:fontRef idx="minor">
-            <a:schemeClr val="lt1"/>
-          </a:fontRef>
-        </p:style>
-        <p:txBody>
-          <a:bodyPr rtlCol="0" anchor="ctr"/>
-          <a:lstStyle/>
-          <a:p>
-            <a:pPr algn="ctr"/>
-            <a:endParaRPr lang="en-US"/>
-          </a:p>
-        </p:txBody>
-      </p:sp>
-      <p:sp>
-        <p:nvSpPr>
-          <p:cNvPr id="41" name="Rectangle 40">
-            <a:extLst>
-              <a:ext uri="{FF2B5EF4-FFF2-40B4-BE49-F238E27FC236}">
-                <a16:creationId xmlns:a16="http://schemas.microsoft.com/office/drawing/2014/main" id="{5660F785-45C5-13C0-C8D5-624025F86367}"/>
-              </a:ext>
-            </a:extLst>
-          </p:cNvPr>
-          <p:cNvSpPr/>
-          <p:nvPr/>
-        </p:nvSpPr>
-        <p:spPr>
-          <a:xfrm>
-            <a:off x="5475520" y="3023953"/>
-            <a:ext cx="664027" cy="1000259"/>
-          </a:xfrm>
-          <a:prstGeom prst="rect">
-            <a:avLst/>
-          </a:prstGeom>
-          <a:noFill/>
-          <a:ln w="25400"/>
-        </p:spPr>
-        <p:style>
-          <a:lnRef idx="2">
-            <a:schemeClr val="accent1">
-              <a:shade val="15000"/>
-            </a:schemeClr>
-          </a:lnRef>
-          <a:fillRef idx="1">
-            <a:schemeClr val="accent1"/>
-          </a:fillRef>
-          <a:effectRef idx="0">
-            <a:schemeClr val="accent1"/>
-          </a:effectRef>
-          <a:fontRef idx="minor">
-            <a:schemeClr val="lt1"/>
-          </a:fontRef>
-        </p:style>
-        <p:txBody>
-          <a:bodyPr rtlCol="0" anchor="ctr"/>
-          <a:lstStyle/>
-          <a:p>
-            <a:pPr algn="ctr"/>
-            <a:endParaRPr lang="en-US"/>
-          </a:p>
-        </p:txBody>
-      </p:sp>
-      <p:sp>
-        <p:nvSpPr>
-          <p:cNvPr id="42" name="Rectangle 41">
-            <a:extLst>
-              <a:ext uri="{FF2B5EF4-FFF2-40B4-BE49-F238E27FC236}">
-                <a16:creationId xmlns:a16="http://schemas.microsoft.com/office/drawing/2014/main" id="{8B5C17A9-1E28-B17F-FD1A-BCC260B47CFC}"/>
-              </a:ext>
-            </a:extLst>
-          </p:cNvPr>
-          <p:cNvSpPr/>
-          <p:nvPr/>
-        </p:nvSpPr>
-        <p:spPr>
-          <a:xfrm>
-            <a:off x="5617034" y="3023953"/>
-            <a:ext cx="381000" cy="1000259"/>
-          </a:xfrm>
-          <a:prstGeom prst="rect">
-            <a:avLst/>
-          </a:prstGeom>
-          <a:noFill/>
-          <a:ln w="25400"/>
-        </p:spPr>
-        <p:style>
-          <a:lnRef idx="2">
-            <a:schemeClr val="accent1">
-              <a:shade val="15000"/>
-            </a:schemeClr>
-          </a:lnRef>
-          <a:fillRef idx="1">
-            <a:schemeClr val="accent1"/>
-          </a:fillRef>
-          <a:effectRef idx="0">
-            <a:schemeClr val="accent1"/>
-          </a:effectRef>
-          <a:fontRef idx="minor">
-            <a:schemeClr val="lt1"/>
-          </a:fontRef>
-        </p:style>
-        <p:txBody>
-          <a:bodyPr rtlCol="0" anchor="ctr"/>
-          <a:lstStyle/>
-          <a:p>
-            <a:pPr algn="ctr"/>
-            <a:endParaRPr lang="en-US"/>
-          </a:p>
-        </p:txBody>
-      </p:sp>
-      <p:sp>
-        <p:nvSpPr>
-          <p:cNvPr id="43" name="TextBox 42">
-            <a:extLst>
-              <a:ext uri="{FF2B5EF4-FFF2-40B4-BE49-F238E27FC236}">
-                <a16:creationId xmlns:a16="http://schemas.microsoft.com/office/drawing/2014/main" id="{FBAB446B-2EE6-3BB6-AA8F-FE650A372AAD}"/>
-              </a:ext>
-            </a:extLst>
-          </p:cNvPr>
-          <p:cNvSpPr txBox="1"/>
-          <p:nvPr/>
-        </p:nvSpPr>
-        <p:spPr>
-          <a:xfrm>
-            <a:off x="4710015" y="3326346"/>
-            <a:ext cx="703336" cy="461665"/>
-          </a:xfrm>
-          <a:prstGeom prst="rect">
-            <a:avLst/>
-          </a:prstGeom>
-          <a:noFill/>
-        </p:spPr>
-        <p:txBody>
-          <a:bodyPr wrap="square" rtlCol="0">
-            <a:spAutoFit/>
-          </a:bodyPr>
-          <a:lstStyle/>
-          <a:p>
-            <a:pPr algn="ctr"/>
-            <a:r>
-              <a:rPr lang="en-US" sz="1200" dirty="0"/>
-              <a:t>insert</a:t>
-            </a:r>
-          </a:p>
-          <a:p>
-            <a:pPr algn="ctr"/>
-            <a:r>
-              <a:rPr lang="en-US" sz="1200" dirty="0"/>
-              <a:t>bushing</a:t>
-            </a:r>
-          </a:p>
-        </p:txBody>
-      </p:sp>
-      <p:sp>
-        <p:nvSpPr>
-          <p:cNvPr id="44" name="Rectangle 43">
-            <a:extLst>
-              <a:ext uri="{FF2B5EF4-FFF2-40B4-BE49-F238E27FC236}">
-                <a16:creationId xmlns:a16="http://schemas.microsoft.com/office/drawing/2014/main" id="{93CA4992-D4D1-0186-EE49-6A3F0AD3301B}"/>
-              </a:ext>
-            </a:extLst>
-          </p:cNvPr>
-          <p:cNvSpPr/>
-          <p:nvPr/>
-        </p:nvSpPr>
-        <p:spPr>
-          <a:xfrm>
-            <a:off x="5475520" y="4104695"/>
-            <a:ext cx="141514" cy="279969"/>
-          </a:xfrm>
-          <a:prstGeom prst="rect">
-            <a:avLst/>
-          </a:prstGeom>
-          <a:noFill/>
-          <a:ln w="25400"/>
-        </p:spPr>
-        <p:style>
-          <a:lnRef idx="2">
-            <a:schemeClr val="accent1">
-              <a:shade val="15000"/>
-            </a:schemeClr>
-          </a:lnRef>
-          <a:fillRef idx="1">
-            <a:schemeClr val="accent1"/>
-          </a:fillRef>
-          <a:effectRef idx="0">
-            <a:schemeClr val="accent1"/>
-          </a:effectRef>
-          <a:fontRef idx="minor">
-            <a:schemeClr val="lt1"/>
-          </a:fontRef>
-        </p:style>
-        <p:txBody>
-          <a:bodyPr rtlCol="0" anchor="ctr"/>
-          <a:lstStyle/>
-          <a:p>
-            <a:pPr algn="ctr"/>
-            <a:endParaRPr lang="en-US"/>
-          </a:p>
-        </p:txBody>
-      </p:sp>
-      <p:sp>
-        <p:nvSpPr>
-          <p:cNvPr id="45" name="Rectangle 44">
-            <a:extLst>
-              <a:ext uri="{FF2B5EF4-FFF2-40B4-BE49-F238E27FC236}">
-                <a16:creationId xmlns:a16="http://schemas.microsoft.com/office/drawing/2014/main" id="{93A0B0CF-10DE-66AD-B6BB-F4D0334FA94E}"/>
-              </a:ext>
-            </a:extLst>
-          </p:cNvPr>
-          <p:cNvSpPr/>
-          <p:nvPr/>
-        </p:nvSpPr>
-        <p:spPr>
-          <a:xfrm>
-            <a:off x="5998034" y="4104693"/>
-            <a:ext cx="141514" cy="279969"/>
-          </a:xfrm>
-          <a:prstGeom prst="rect">
-            <a:avLst/>
-          </a:prstGeom>
-          <a:noFill/>
-          <a:ln w="25400"/>
-        </p:spPr>
-        <p:style>
-          <a:lnRef idx="2">
-            <a:schemeClr val="accent1">
-              <a:shade val="15000"/>
-            </a:schemeClr>
-          </a:lnRef>
-          <a:fillRef idx="1">
-            <a:schemeClr val="accent1"/>
-          </a:fillRef>
-          <a:effectRef idx="0">
-            <a:schemeClr val="accent1"/>
-          </a:effectRef>
-          <a:fontRef idx="minor">
-            <a:schemeClr val="lt1"/>
-          </a:fontRef>
-        </p:style>
-        <p:txBody>
-          <a:bodyPr rtlCol="0" anchor="ctr"/>
-          <a:lstStyle/>
-          <a:p>
-            <a:pPr algn="ctr"/>
-            <a:endParaRPr lang="en-US"/>
-          </a:p>
-        </p:txBody>
-      </p:sp>
-      <p:pic>
-        <p:nvPicPr>
-          <p:cNvPr id="1028" name="Picture 4" descr="John Deere M153583 Pulley Spindle Nut">
-            <a:extLst>
-              <a:ext uri="{FF2B5EF4-FFF2-40B4-BE49-F238E27FC236}">
-                <a16:creationId xmlns:a16="http://schemas.microsoft.com/office/drawing/2014/main" id="{97C7AD85-419F-4B4A-D347-C54567A7490F}"/>
+          <p:cNvPr id="1026" name="Picture 2" descr="Profile for Little Buck Loader">
+            <a:extLst>
+              <a:ext uri="{FF2B5EF4-FFF2-40B4-BE49-F238E27FC236}">
+                <a16:creationId xmlns:a16="http://schemas.microsoft.com/office/drawing/2014/main" id="{9D636D97-4788-D26B-1566-93F4940D3877}"/>
               </a:ext>
             </a:extLst>
           </p:cNvPr>
@@ -7098,7 +7432,7 @@
           <p:nvPr/>
         </p:nvPicPr>
         <p:blipFill>
-          <a:blip r:embed="rId7" cstate="email">
+          <a:blip r:embed="rId5">
             <a:extLst>
               <a:ext uri="{28A0092B-C50C-407E-A947-70E740481C1C}">
                 <a14:useLocalDpi xmlns:a14="http://schemas.microsoft.com/office/drawing/2010/main"/>
@@ -7112,13 +7446,18 @@
         </p:blipFill>
         <p:spPr bwMode="auto">
           <a:xfrm>
-            <a:off x="5453749" y="1069920"/>
-            <a:ext cx="715569" cy="715569"/>
+            <a:off x="6464988" y="636454"/>
+            <a:ext cx="3492500" cy="2324100"/>
           </a:xfrm>
           <a:prstGeom prst="rect">
             <a:avLst/>
           </a:prstGeom>
           <a:noFill/>
+          <a:ln>
+            <a:solidFill>
+              <a:srgbClr val="FF0000"/>
+            </a:solidFill>
+          </a:ln>
           <a:extLst>
             <a:ext uri="{909E8E84-426E-40DD-AFC4-6F175D3DCCD1}">
               <a14:hiddenFill xmlns:a14="http://schemas.microsoft.com/office/drawing/2010/main">
@@ -7130,91 +7469,116 @@
           </a:extLst>
         </p:spPr>
       </p:pic>
-      <p:sp>
-        <p:nvSpPr>
-          <p:cNvPr id="46" name="TextBox 45">
-            <a:extLst>
-              <a:ext uri="{FF2B5EF4-FFF2-40B4-BE49-F238E27FC236}">
-                <a16:creationId xmlns:a16="http://schemas.microsoft.com/office/drawing/2014/main" id="{9DF9BB92-8DEF-3C11-F0EE-5E6771AB4CB8}"/>
-              </a:ext>
-            </a:extLst>
-          </p:cNvPr>
-          <p:cNvSpPr txBox="1"/>
-          <p:nvPr/>
-        </p:nvSpPr>
-        <p:spPr>
-          <a:xfrm>
-            <a:off x="4809206" y="1331820"/>
-            <a:ext cx="703336" cy="276999"/>
-          </a:xfrm>
-          <a:prstGeom prst="rect">
-            <a:avLst/>
-          </a:prstGeom>
-          <a:noFill/>
-        </p:spPr>
-        <p:txBody>
-          <a:bodyPr wrap="square" rtlCol="0">
-            <a:spAutoFit/>
-          </a:bodyPr>
-          <a:lstStyle/>
-          <a:p>
-            <a:pPr algn="ctr"/>
-            <a:r>
-              <a:rPr lang="en-US" sz="1200" dirty="0"/>
-              <a:t>nut</a:t>
-            </a:r>
-          </a:p>
-        </p:txBody>
-      </p:sp>
-      <p:sp>
-        <p:nvSpPr>
-          <p:cNvPr id="47" name="TextBox 46">
-            <a:extLst>
-              <a:ext uri="{FF2B5EF4-FFF2-40B4-BE49-F238E27FC236}">
-                <a16:creationId xmlns:a16="http://schemas.microsoft.com/office/drawing/2014/main" id="{4B12CDF8-84A5-F958-A6BA-14043B75845E}"/>
-              </a:ext>
-            </a:extLst>
-          </p:cNvPr>
-          <p:cNvSpPr txBox="1"/>
-          <p:nvPr/>
-        </p:nvSpPr>
-        <p:spPr>
-          <a:xfrm>
-            <a:off x="4202826" y="2207634"/>
-            <a:ext cx="1268637" cy="461665"/>
-          </a:xfrm>
-          <a:prstGeom prst="rect">
-            <a:avLst/>
-          </a:prstGeom>
-          <a:noFill/>
-        </p:spPr>
-        <p:txBody>
-          <a:bodyPr wrap="square" rtlCol="0">
-            <a:spAutoFit/>
-          </a:bodyPr>
-          <a:lstStyle/>
-          <a:p>
-            <a:pPr algn="ctr"/>
-            <a:r>
-              <a:rPr lang="en-US" sz="1200" dirty="0"/>
-              <a:t>bushing </a:t>
-            </a:r>
-          </a:p>
-          <a:p>
-            <a:pPr algn="ctr"/>
-            <a:r>
-              <a:rPr lang="en-US" sz="1200" dirty="0"/>
-              <a:t>(spacer, washer)</a:t>
-            </a:r>
-          </a:p>
-        </p:txBody>
-      </p:sp>
       <p:pic>
         <p:nvPicPr>
-          <p:cNvPr id="3" name="Picture 2">
-            <a:extLst>
-              <a:ext uri="{FF2B5EF4-FFF2-40B4-BE49-F238E27FC236}">
-                <a16:creationId xmlns:a16="http://schemas.microsoft.com/office/drawing/2014/main" id="{81A4B17E-5CBA-0685-0D19-C28748ED9F45}"/>
+          <p:cNvPr id="1028" name="Picture 4" descr="Little Buck Loader - Little Buck Loader is fun for the whole family 😎  &quot;Another satisfied customer! We have already used it extensively. My wife  even commented on how nice it is">
+            <a:extLst>
+              <a:ext uri="{FF2B5EF4-FFF2-40B4-BE49-F238E27FC236}">
+                <a16:creationId xmlns:a16="http://schemas.microsoft.com/office/drawing/2014/main" id="{66D70884-FABE-9F51-0FAA-30187CD62999}"/>
+              </a:ext>
+            </a:extLst>
+          </p:cNvPr>
+          <p:cNvPicPr>
+            <a:picLocks noChangeAspect="1" noChangeArrowheads="1"/>
+          </p:cNvPicPr>
+          <p:nvPr/>
+        </p:nvPicPr>
+        <p:blipFill>
+          <a:blip r:embed="rId6">
+            <a:extLst>
+              <a:ext uri="{28A0092B-C50C-407E-A947-70E740481C1C}">
+                <a14:useLocalDpi xmlns:a14="http://schemas.microsoft.com/office/drawing/2010/main"/>
+              </a:ext>
+            </a:extLst>
+          </a:blip>
+          <a:srcRect/>
+          <a:stretch>
+            <a:fillRect/>
+          </a:stretch>
+        </p:blipFill>
+        <p:spPr bwMode="auto">
+          <a:xfrm>
+            <a:off x="6464988" y="3122517"/>
+            <a:ext cx="3289300" cy="2463800"/>
+          </a:xfrm>
+          <a:prstGeom prst="rect">
+            <a:avLst/>
+          </a:prstGeom>
+          <a:noFill/>
+          <a:ln>
+            <a:solidFill>
+              <a:srgbClr val="FF0000"/>
+            </a:solidFill>
+          </a:ln>
+          <a:extLst>
+            <a:ext uri="{909E8E84-426E-40DD-AFC4-6F175D3DCCD1}">
+              <a14:hiddenFill xmlns:a14="http://schemas.microsoft.com/office/drawing/2010/main">
+                <a:solidFill>
+                  <a:srgbClr val="FFFFFF"/>
+                </a:solidFill>
+              </a14:hiddenFill>
+            </a:ext>
+          </a:extLst>
+        </p:spPr>
+      </p:pic>
+      <p:pic>
+        <p:nvPicPr>
+          <p:cNvPr id="1030" name="Picture 6" descr="Why use a shovel if you have a Little Buck Loader? - YouTube">
+            <a:extLst>
+              <a:ext uri="{FF2B5EF4-FFF2-40B4-BE49-F238E27FC236}">
+                <a16:creationId xmlns:a16="http://schemas.microsoft.com/office/drawing/2014/main" id="{8AF60716-CCF5-5D8F-B664-7014B7AD5530}"/>
+              </a:ext>
+            </a:extLst>
+          </p:cNvPr>
+          <p:cNvPicPr>
+            <a:picLocks noChangeAspect="1" noChangeArrowheads="1"/>
+          </p:cNvPicPr>
+          <p:nvPr/>
+        </p:nvPicPr>
+        <p:blipFill>
+          <a:blip r:embed="rId7">
+            <a:extLst>
+              <a:ext uri="{28A0092B-C50C-407E-A947-70E740481C1C}">
+                <a14:useLocalDpi xmlns:a14="http://schemas.microsoft.com/office/drawing/2010/main"/>
+              </a:ext>
+            </a:extLst>
+          </a:blip>
+          <a:srcRect/>
+          <a:stretch>
+            <a:fillRect/>
+          </a:stretch>
+        </p:blipFill>
+        <p:spPr bwMode="auto">
+          <a:xfrm>
+            <a:off x="2459707" y="4688136"/>
+            <a:ext cx="3797300" cy="2133600"/>
+          </a:xfrm>
+          <a:prstGeom prst="rect">
+            <a:avLst/>
+          </a:prstGeom>
+          <a:noFill/>
+          <a:ln>
+            <a:solidFill>
+              <a:srgbClr val="FF0000"/>
+            </a:solidFill>
+          </a:ln>
+          <a:extLst>
+            <a:ext uri="{909E8E84-426E-40DD-AFC4-6F175D3DCCD1}">
+              <a14:hiddenFill xmlns:a14="http://schemas.microsoft.com/office/drawing/2010/main">
+                <a:solidFill>
+                  <a:srgbClr val="FFFFFF"/>
+                </a:solidFill>
+              </a14:hiddenFill>
+            </a:ext>
+          </a:extLst>
+        </p:spPr>
+      </p:pic>
+      <p:pic>
+        <p:nvPicPr>
+          <p:cNvPr id="8" name="Picture 7">
+            <a:extLst>
+              <a:ext uri="{FF2B5EF4-FFF2-40B4-BE49-F238E27FC236}">
+                <a16:creationId xmlns:a16="http://schemas.microsoft.com/office/drawing/2014/main" id="{D62CC0B6-167D-C521-0401-BB5E046D217D}"/>
               </a:ext>
             </a:extLst>
           </p:cNvPr>
@@ -7237,116 +7601,8 @@
         </p:blipFill>
         <p:spPr>
           <a:xfrm>
-            <a:off x="186857" y="4586338"/>
-            <a:ext cx="1971754" cy="1967382"/>
-          </a:xfrm>
-          <a:prstGeom prst="rect">
-            <a:avLst/>
-          </a:prstGeom>
-        </p:spPr>
-      </p:pic>
-      <p:sp>
-        <p:nvSpPr>
-          <p:cNvPr id="4" name="TextBox 3">
-            <a:extLst>
-              <a:ext uri="{FF2B5EF4-FFF2-40B4-BE49-F238E27FC236}">
-                <a16:creationId xmlns:a16="http://schemas.microsoft.com/office/drawing/2014/main" id="{2136CE1B-25DC-A85E-6601-2AF77025DD82}"/>
-              </a:ext>
-            </a:extLst>
-          </p:cNvPr>
-          <p:cNvSpPr txBox="1"/>
-          <p:nvPr/>
-        </p:nvSpPr>
-        <p:spPr>
-          <a:xfrm>
-            <a:off x="748752" y="4275247"/>
-            <a:ext cx="1022350" cy="276999"/>
-          </a:xfrm>
-          <a:prstGeom prst="rect">
-            <a:avLst/>
-          </a:prstGeom>
-          <a:noFill/>
-        </p:spPr>
-        <p:txBody>
-          <a:bodyPr wrap="square" rtlCol="0">
-            <a:spAutoFit/>
-          </a:bodyPr>
-          <a:lstStyle/>
-          <a:p>
-            <a:pPr algn="ctr"/>
-            <a:r>
-              <a:rPr lang="en-US" sz="1200" dirty="0"/>
-              <a:t>spindle hub</a:t>
-            </a:r>
-          </a:p>
-        </p:txBody>
-      </p:sp>
-      <p:pic>
-        <p:nvPicPr>
-          <p:cNvPr id="5" name="Picture 4">
-            <a:extLst>
-              <a:ext uri="{FF2B5EF4-FFF2-40B4-BE49-F238E27FC236}">
-                <a16:creationId xmlns:a16="http://schemas.microsoft.com/office/drawing/2014/main" id="{0E6397A7-59A1-342E-F7B6-1E0DEFED6931}"/>
-              </a:ext>
-            </a:extLst>
-          </p:cNvPr>
-          <p:cNvPicPr>
-            <a:picLocks noChangeAspect="1"/>
-          </p:cNvPicPr>
-          <p:nvPr/>
-        </p:nvPicPr>
-        <p:blipFill>
-          <a:blip r:embed="rId9" cstate="email">
-            <a:extLst>
-              <a:ext uri="{28A0092B-C50C-407E-A947-70E740481C1C}">
-                <a14:useLocalDpi xmlns:a14="http://schemas.microsoft.com/office/drawing/2010/main"/>
-              </a:ext>
-            </a:extLst>
-          </a:blip>
-          <a:stretch>
-            <a:fillRect/>
-          </a:stretch>
-        </p:blipFill>
-        <p:spPr>
-          <a:xfrm>
-            <a:off x="9996055" y="3000161"/>
-            <a:ext cx="2104634" cy="2464704"/>
-          </a:xfrm>
-          <a:prstGeom prst="rect">
-            <a:avLst/>
-          </a:prstGeom>
-        </p:spPr>
-      </p:pic>
-      <p:pic>
-        <p:nvPicPr>
-          <p:cNvPr id="6" name="Picture 5">
-            <a:extLst>
-              <a:ext uri="{FF2B5EF4-FFF2-40B4-BE49-F238E27FC236}">
-                <a16:creationId xmlns:a16="http://schemas.microsoft.com/office/drawing/2014/main" id="{11E098BF-90CF-94DE-AF1B-1B0E120DA42C}"/>
-              </a:ext>
-            </a:extLst>
-          </p:cNvPr>
-          <p:cNvPicPr>
-            <a:picLocks noChangeAspect="1"/>
-          </p:cNvPicPr>
-          <p:nvPr/>
-        </p:nvPicPr>
-        <p:blipFill>
-          <a:blip r:embed="rId10" cstate="email">
-            <a:extLst>
-              <a:ext uri="{28A0092B-C50C-407E-A947-70E740481C1C}">
-                <a14:useLocalDpi xmlns:a14="http://schemas.microsoft.com/office/drawing/2010/main"/>
-              </a:ext>
-            </a:extLst>
-          </a:blip>
-          <a:stretch>
-            <a:fillRect/>
-          </a:stretch>
-        </p:blipFill>
-        <p:spPr>
-          <a:xfrm>
-            <a:off x="9116297" y="3065993"/>
-            <a:ext cx="1742280" cy="1209254"/>
+            <a:off x="214399" y="1942411"/>
+            <a:ext cx="4207099" cy="2133600"/>
           </a:xfrm>
           <a:prstGeom prst="rect">
             <a:avLst/>
@@ -7360,10 +7616,10 @@
       </p:pic>
       <p:sp>
         <p:nvSpPr>
-          <p:cNvPr id="8" name="TextBox 7">
-            <a:extLst>
-              <a:ext uri="{FF2B5EF4-FFF2-40B4-BE49-F238E27FC236}">
-                <a16:creationId xmlns:a16="http://schemas.microsoft.com/office/drawing/2014/main" id="{C3F81A96-5DF9-E7E3-1385-F0305F33DAC6}"/>
+          <p:cNvPr id="9" name="TextBox 8">
+            <a:extLst>
+              <a:ext uri="{FF2B5EF4-FFF2-40B4-BE49-F238E27FC236}">
+                <a16:creationId xmlns:a16="http://schemas.microsoft.com/office/drawing/2014/main" id="{B70A6CF7-8FFD-665B-3FBA-0A3C68ABF04D}"/>
               </a:ext>
             </a:extLst>
           </p:cNvPr>
@@ -7372,8 +7628,8 @@
         </p:nvSpPr>
         <p:spPr>
           <a:xfrm>
-            <a:off x="8966703" y="5233313"/>
-            <a:ext cx="1020734" cy="461665"/>
+            <a:off x="4723170" y="523220"/>
+            <a:ext cx="1358864" cy="307777"/>
           </a:xfrm>
           <a:prstGeom prst="rect">
             <a:avLst/>
@@ -7386,167 +7642,17 @@
           </a:bodyPr>
           <a:lstStyle/>
           <a:p>
-            <a:pPr algn="ctr"/>
-            <a:r>
-              <a:rPr lang="en-US" sz="1200" dirty="0"/>
-              <a:t>spindle shaft woodruff key</a:t>
-            </a:r>
-          </a:p>
-        </p:txBody>
-      </p:sp>
-      <p:pic>
-        <p:nvPicPr>
-          <p:cNvPr id="10" name="Picture 9">
-            <a:extLst>
-              <a:ext uri="{FF2B5EF4-FFF2-40B4-BE49-F238E27FC236}">
-                <a16:creationId xmlns:a16="http://schemas.microsoft.com/office/drawing/2014/main" id="{E49846F6-439C-0000-A00D-E5D1BE1065CE}"/>
-              </a:ext>
-            </a:extLst>
-          </p:cNvPr>
-          <p:cNvPicPr>
-            <a:picLocks noChangeAspect="1"/>
-          </p:cNvPicPr>
-          <p:nvPr/>
-        </p:nvPicPr>
-        <p:blipFill>
-          <a:blip r:embed="rId11" cstate="email">
-            <a:extLst>
-              <a:ext uri="{28A0092B-C50C-407E-A947-70E740481C1C}">
-                <a14:useLocalDpi xmlns:a14="http://schemas.microsoft.com/office/drawing/2010/main"/>
-              </a:ext>
-            </a:extLst>
-          </a:blip>
-          <a:stretch>
-            <a:fillRect/>
-          </a:stretch>
-        </p:blipFill>
-        <p:spPr>
-          <a:xfrm>
-            <a:off x="9028406" y="4392361"/>
-            <a:ext cx="703281" cy="323321"/>
-          </a:xfrm>
-          <a:prstGeom prst="rect">
-            <a:avLst/>
-          </a:prstGeom>
-        </p:spPr>
-      </p:pic>
-      <p:pic>
-        <p:nvPicPr>
-          <p:cNvPr id="11" name="Picture 10">
-            <a:extLst>
-              <a:ext uri="{FF2B5EF4-FFF2-40B4-BE49-F238E27FC236}">
-                <a16:creationId xmlns:a16="http://schemas.microsoft.com/office/drawing/2014/main" id="{7FD5FEC5-7354-E076-481A-F4ACA9D8CD2B}"/>
-              </a:ext>
-            </a:extLst>
-          </p:cNvPr>
-          <p:cNvPicPr>
-            <a:picLocks noChangeAspect="1"/>
-          </p:cNvPicPr>
-          <p:nvPr/>
-        </p:nvPicPr>
-        <p:blipFill>
-          <a:blip r:embed="rId12" cstate="email">
-            <a:extLst>
-              <a:ext uri="{28A0092B-C50C-407E-A947-70E740481C1C}">
-                <a14:useLocalDpi xmlns:a14="http://schemas.microsoft.com/office/drawing/2010/main"/>
-              </a:ext>
-            </a:extLst>
-          </a:blip>
-          <a:stretch>
-            <a:fillRect/>
-          </a:stretch>
-        </p:blipFill>
-        <p:spPr>
-          <a:xfrm>
-            <a:off x="9046625" y="4792878"/>
-            <a:ext cx="699400" cy="450844"/>
-          </a:xfrm>
-          <a:prstGeom prst="rect">
-            <a:avLst/>
-          </a:prstGeom>
-        </p:spPr>
-      </p:pic>
-      <p:sp>
-        <p:nvSpPr>
-          <p:cNvPr id="13" name="TextBox 12">
-            <a:extLst>
-              <a:ext uri="{FF2B5EF4-FFF2-40B4-BE49-F238E27FC236}">
-                <a16:creationId xmlns:a16="http://schemas.microsoft.com/office/drawing/2014/main" id="{6FCA6B48-4739-76F1-047A-5D29C25C80AB}"/>
-              </a:ext>
-            </a:extLst>
-          </p:cNvPr>
-          <p:cNvSpPr txBox="1"/>
-          <p:nvPr/>
-        </p:nvSpPr>
-        <p:spPr>
-          <a:xfrm>
-            <a:off x="7147980" y="4520978"/>
-            <a:ext cx="1720674" cy="830997"/>
-          </a:xfrm>
-          <a:prstGeom prst="rect">
-            <a:avLst/>
-          </a:prstGeom>
-          <a:noFill/>
-        </p:spPr>
-        <p:txBody>
-          <a:bodyPr wrap="square" rtlCol="0">
-            <a:spAutoFit/>
-          </a:bodyPr>
-          <a:lstStyle/>
-          <a:p>
-            <a:pPr algn="ctr"/>
-            <a:r>
-              <a:rPr lang="en-US" sz="1200" dirty="0"/>
-              <a:t>Woodruff keys are semi-circular discs used to connect shaft and pulley to rotate together</a:t>
-            </a:r>
-          </a:p>
-        </p:txBody>
-      </p:sp>
-      <p:pic>
-        <p:nvPicPr>
-          <p:cNvPr id="16" name="Picture 15">
-            <a:extLst>
-              <a:ext uri="{FF2B5EF4-FFF2-40B4-BE49-F238E27FC236}">
-                <a16:creationId xmlns:a16="http://schemas.microsoft.com/office/drawing/2014/main" id="{6A334A0A-24D7-6C9F-E2E7-4322B416BF34}"/>
-              </a:ext>
-            </a:extLst>
-          </p:cNvPr>
-          <p:cNvPicPr>
-            <a:picLocks noChangeAspect="1"/>
-          </p:cNvPicPr>
-          <p:nvPr/>
-        </p:nvPicPr>
-        <p:blipFill>
-          <a:blip r:embed="rId13" cstate="email">
-            <a:extLst>
-              <a:ext uri="{28A0092B-C50C-407E-A947-70E740481C1C}">
-                <a14:useLocalDpi xmlns:a14="http://schemas.microsoft.com/office/drawing/2010/main"/>
-              </a:ext>
-            </a:extLst>
-          </a:blip>
-          <a:stretch>
-            <a:fillRect/>
-          </a:stretch>
-        </p:blipFill>
-        <p:spPr>
-          <a:xfrm>
-            <a:off x="7507607" y="5923035"/>
-            <a:ext cx="1742280" cy="625149"/>
-          </a:xfrm>
-          <a:prstGeom prst="rect">
-            <a:avLst/>
-          </a:prstGeom>
-          <a:ln>
-            <a:solidFill>
-              <a:schemeClr val="accent1"/>
-            </a:solidFill>
-          </a:ln>
-        </p:spPr>
-      </p:pic>
+            <a:r>
+              <a:rPr lang="en-US" sz="1400" dirty="0"/>
+              <a:t>PRICE: $3,300</a:t>
+            </a:r>
+          </a:p>
+        </p:txBody>
+      </p:sp>
     </p:spTree>
     <p:extLst>
       <p:ext uri="{BB962C8B-B14F-4D97-AF65-F5344CB8AC3E}">
-        <p14:creationId xmlns:p14="http://schemas.microsoft.com/office/powerpoint/2010/main" val="3231152173"/>
+        <p14:creationId xmlns:p14="http://schemas.microsoft.com/office/powerpoint/2010/main" val="3901153623"/>
       </p:ext>
     </p:extLst>
   </p:cSld>
@@ -7557,6 +7663,278 @@
 </file>
 
 <file path=ppt/slides/slide6.xml><?xml version="1.0" encoding="utf-8"?>
+<p:sld xmlns:a="http://schemas.openxmlformats.org/drawingml/2006/main" xmlns:r="http://schemas.openxmlformats.org/officeDocument/2006/relationships" xmlns:p="http://schemas.openxmlformats.org/presentationml/2006/main">
+  <p:cSld>
+    <p:spTree>
+      <p:nvGrpSpPr>
+        <p:cNvPr id="1" name="">
+          <a:extLst>
+            <a:ext uri="{FF2B5EF4-FFF2-40B4-BE49-F238E27FC236}">
+              <a16:creationId xmlns:a16="http://schemas.microsoft.com/office/drawing/2014/main" id="{CF9A737C-20D5-F760-3856-D01F951239D7}"/>
+            </a:ext>
+          </a:extLst>
+        </p:cNvPr>
+        <p:cNvGrpSpPr/>
+        <p:nvPr/>
+      </p:nvGrpSpPr>
+      <p:grpSpPr>
+        <a:xfrm>
+          <a:off x="0" y="0"/>
+          <a:ext cx="0" cy="0"/>
+          <a:chOff x="0" y="0"/>
+          <a:chExt cx="0" cy="0"/>
+        </a:xfrm>
+      </p:grpSpPr>
+      <p:sp>
+        <p:nvSpPr>
+          <p:cNvPr id="2" name="TextBox 1">
+            <a:extLst>
+              <a:ext uri="{FF2B5EF4-FFF2-40B4-BE49-F238E27FC236}">
+                <a16:creationId xmlns:a16="http://schemas.microsoft.com/office/drawing/2014/main" id="{826A6B55-E5D4-A338-B27E-5B92EE004809}"/>
+              </a:ext>
+            </a:extLst>
+          </p:cNvPr>
+          <p:cNvSpPr txBox="1"/>
+          <p:nvPr/>
+        </p:nvSpPr>
+        <p:spPr>
+          <a:xfrm>
+            <a:off x="0" y="0"/>
+            <a:ext cx="1996966" cy="523220"/>
+          </a:xfrm>
+          <a:prstGeom prst="rect">
+            <a:avLst/>
+          </a:prstGeom>
+          <a:noFill/>
+        </p:spPr>
+        <p:txBody>
+          <a:bodyPr wrap="square" rtlCol="0">
+            <a:spAutoFit/>
+          </a:bodyPr>
+          <a:lstStyle/>
+          <a:p>
+            <a:r>
+              <a:rPr lang="en-US" sz="2800" b="1"/>
+              <a:t>Sweeper</a:t>
+            </a:r>
+          </a:p>
+        </p:txBody>
+      </p:sp>
+      <p:pic>
+        <p:nvPicPr>
+          <p:cNvPr id="3" name="Picture 2">
+            <a:extLst>
+              <a:ext uri="{FF2B5EF4-FFF2-40B4-BE49-F238E27FC236}">
+                <a16:creationId xmlns:a16="http://schemas.microsoft.com/office/drawing/2014/main" id="{BE0174D4-4758-BD8E-81BD-C0D276C813F8}"/>
+              </a:ext>
+            </a:extLst>
+          </p:cNvPr>
+          <p:cNvPicPr>
+            <a:picLocks noChangeAspect="1"/>
+          </p:cNvPicPr>
+          <p:nvPr/>
+        </p:nvPicPr>
+        <p:blipFill>
+          <a:blip r:embed="rId2" cstate="email">
+            <a:extLst>
+              <a:ext uri="{28A0092B-C50C-407E-A947-70E740481C1C}">
+                <a14:useLocalDpi xmlns:a14="http://schemas.microsoft.com/office/drawing/2010/main"/>
+              </a:ext>
+            </a:extLst>
+          </a:blip>
+          <a:stretch>
+            <a:fillRect/>
+          </a:stretch>
+        </p:blipFill>
+        <p:spPr>
+          <a:xfrm>
+            <a:off x="315309" y="2265382"/>
+            <a:ext cx="4672944" cy="2836798"/>
+          </a:xfrm>
+          <a:prstGeom prst="rect">
+            <a:avLst/>
+          </a:prstGeom>
+        </p:spPr>
+      </p:pic>
+      <p:sp>
+        <p:nvSpPr>
+          <p:cNvPr id="4" name="TextBox 3">
+            <a:extLst>
+              <a:ext uri="{FF2B5EF4-FFF2-40B4-BE49-F238E27FC236}">
+                <a16:creationId xmlns:a16="http://schemas.microsoft.com/office/drawing/2014/main" id="{6645184E-C295-CF34-B6AB-CC68E2909565}"/>
+              </a:ext>
+            </a:extLst>
+          </p:cNvPr>
+          <p:cNvSpPr txBox="1"/>
+          <p:nvPr/>
+        </p:nvSpPr>
+        <p:spPr>
+          <a:xfrm>
+            <a:off x="315309" y="5244257"/>
+            <a:ext cx="4204138" cy="738664"/>
+          </a:xfrm>
+          <a:prstGeom prst="rect">
+            <a:avLst/>
+          </a:prstGeom>
+          <a:noFill/>
+        </p:spPr>
+        <p:txBody>
+          <a:bodyPr wrap="square" rtlCol="0">
+            <a:spAutoFit/>
+          </a:bodyPr>
+          <a:lstStyle/>
+          <a:p>
+            <a:r>
+              <a:rPr lang="en-US" sz="1400"/>
+              <a:t>Agri-Fab Inc 45-0546 52" Lawn Sweeper, Black</a:t>
+            </a:r>
+          </a:p>
+          <a:p>
+            <a:endParaRPr lang="en-US" sz="1400"/>
+          </a:p>
+          <a:p>
+            <a:r>
+              <a:rPr lang="en-US" sz="1400">
+                <a:hlinkClick r:id="rId3"/>
+              </a:rPr>
+              <a:t>https://www.amazon.com/gp/product/B07KMX858N/</a:t>
+            </a:r>
+            <a:endParaRPr lang="en-US" sz="1400"/>
+          </a:p>
+        </p:txBody>
+      </p:sp>
+      <p:sp>
+        <p:nvSpPr>
+          <p:cNvPr id="5" name="TextBox 4">
+            <a:extLst>
+              <a:ext uri="{FF2B5EF4-FFF2-40B4-BE49-F238E27FC236}">
+                <a16:creationId xmlns:a16="http://schemas.microsoft.com/office/drawing/2014/main" id="{7284FF34-5A4E-5788-22ED-328788FF04BD}"/>
+              </a:ext>
+            </a:extLst>
+          </p:cNvPr>
+          <p:cNvSpPr txBox="1"/>
+          <p:nvPr/>
+        </p:nvSpPr>
+        <p:spPr>
+          <a:xfrm>
+            <a:off x="6537434" y="5244257"/>
+            <a:ext cx="4939863" cy="738664"/>
+          </a:xfrm>
+          <a:prstGeom prst="rect">
+            <a:avLst/>
+          </a:prstGeom>
+          <a:noFill/>
+        </p:spPr>
+        <p:txBody>
+          <a:bodyPr wrap="square" rtlCol="0">
+            <a:spAutoFit/>
+          </a:bodyPr>
+          <a:lstStyle/>
+          <a:p>
+            <a:r>
+              <a:rPr lang="en-US" sz="1400"/>
+              <a:t>10 Cubic Feet Steel Dump Cart</a:t>
+            </a:r>
+          </a:p>
+          <a:p>
+            <a:endParaRPr lang="en-US" sz="1400"/>
+          </a:p>
+          <a:p>
+            <a:r>
+              <a:rPr lang="en-US" sz="1400">
+                <a:hlinkClick r:id="rId4"/>
+              </a:rPr>
+              <a:t>https://www.amazon.com/dp/B08R95SSTJ</a:t>
+            </a:r>
+            <a:endParaRPr lang="en-US" sz="1400"/>
+          </a:p>
+        </p:txBody>
+      </p:sp>
+      <p:pic>
+        <p:nvPicPr>
+          <p:cNvPr id="6" name="Picture 5">
+            <a:extLst>
+              <a:ext uri="{FF2B5EF4-FFF2-40B4-BE49-F238E27FC236}">
+                <a16:creationId xmlns:a16="http://schemas.microsoft.com/office/drawing/2014/main" id="{7690790C-E0CA-0E71-E44E-2771DC106C24}"/>
+              </a:ext>
+            </a:extLst>
+          </p:cNvPr>
+          <p:cNvPicPr>
+            <a:picLocks noChangeAspect="1"/>
+          </p:cNvPicPr>
+          <p:nvPr/>
+        </p:nvPicPr>
+        <p:blipFill>
+          <a:blip r:embed="rId5" cstate="email">
+            <a:extLst>
+              <a:ext uri="{28A0092B-C50C-407E-A947-70E740481C1C}">
+                <a14:useLocalDpi xmlns:a14="http://schemas.microsoft.com/office/drawing/2010/main"/>
+              </a:ext>
+            </a:extLst>
+          </a:blip>
+          <a:stretch>
+            <a:fillRect/>
+          </a:stretch>
+        </p:blipFill>
+        <p:spPr>
+          <a:xfrm>
+            <a:off x="6281438" y="2243754"/>
+            <a:ext cx="4567865" cy="2880053"/>
+          </a:xfrm>
+          <a:prstGeom prst="rect">
+            <a:avLst/>
+          </a:prstGeom>
+        </p:spPr>
+      </p:pic>
+      <p:sp>
+        <p:nvSpPr>
+          <p:cNvPr id="7" name="TextBox 6">
+            <a:extLst>
+              <a:ext uri="{FF2B5EF4-FFF2-40B4-BE49-F238E27FC236}">
+                <a16:creationId xmlns:a16="http://schemas.microsoft.com/office/drawing/2014/main" id="{60300599-ED73-9513-8926-703810135577}"/>
+              </a:ext>
+            </a:extLst>
+          </p:cNvPr>
+          <p:cNvSpPr txBox="1"/>
+          <p:nvPr/>
+        </p:nvSpPr>
+        <p:spPr>
+          <a:xfrm>
+            <a:off x="6281438" y="93444"/>
+            <a:ext cx="3020217" cy="523220"/>
+          </a:xfrm>
+          <a:prstGeom prst="rect">
+            <a:avLst/>
+          </a:prstGeom>
+          <a:noFill/>
+        </p:spPr>
+        <p:txBody>
+          <a:bodyPr wrap="square" rtlCol="0">
+            <a:spAutoFit/>
+          </a:bodyPr>
+          <a:lstStyle/>
+          <a:p>
+            <a:r>
+              <a:rPr lang="en-US" sz="2800" b="1"/>
+              <a:t>Dump Cart</a:t>
+            </a:r>
+          </a:p>
+        </p:txBody>
+      </p:sp>
+    </p:spTree>
+    <p:extLst>
+      <p:ext uri="{BB962C8B-B14F-4D97-AF65-F5344CB8AC3E}">
+        <p14:creationId xmlns:p14="http://schemas.microsoft.com/office/powerpoint/2010/main" val="2753344728"/>
+      </p:ext>
+    </p:extLst>
+  </p:cSld>
+  <p:clrMapOvr>
+    <a:masterClrMapping/>
+  </p:clrMapOvr>
+</p:sld>
+</file>
+
+<file path=ppt/slides/slide7.xml><?xml version="1.0" encoding="utf-8"?>
 <p:sld xmlns:a="http://schemas.openxmlformats.org/drawingml/2006/main" xmlns:r="http://schemas.openxmlformats.org/officeDocument/2006/relationships" xmlns:p="http://schemas.openxmlformats.org/presentationml/2006/main">
   <p:cSld>
     <p:spTree>

--- a/tractor_jd_425.pptx
+++ b/tractor_jd_425.pptx
@@ -264,7 +264,7 @@
           <a:lstStyle/>
           <a:p>
             <a:fld id="{16286276-9013-2A43-82D1-BA4685C95117}" type="datetimeFigureOut">
-              <a:t>3/23/25</a:t>
+              <a:t>7/30/25</a:t>
             </a:fld>
             <a:endParaRPr lang="en-US"/>
           </a:p>
@@ -460,7 +460,7 @@
           <a:lstStyle/>
           <a:p>
             <a:fld id="{16286276-9013-2A43-82D1-BA4685C95117}" type="datetimeFigureOut">
-              <a:t>3/23/25</a:t>
+              <a:t>7/30/25</a:t>
             </a:fld>
             <a:endParaRPr lang="en-US"/>
           </a:p>
@@ -666,7 +666,7 @@
           <a:lstStyle/>
           <a:p>
             <a:fld id="{16286276-9013-2A43-82D1-BA4685C95117}" type="datetimeFigureOut">
-              <a:t>3/23/25</a:t>
+              <a:t>7/30/25</a:t>
             </a:fld>
             <a:endParaRPr lang="en-US"/>
           </a:p>
@@ -862,7 +862,7 @@
           <a:lstStyle/>
           <a:p>
             <a:fld id="{16286276-9013-2A43-82D1-BA4685C95117}" type="datetimeFigureOut">
-              <a:t>3/23/25</a:t>
+              <a:t>7/30/25</a:t>
             </a:fld>
             <a:endParaRPr lang="en-US"/>
           </a:p>
@@ -1135,7 +1135,7 @@
           <a:lstStyle/>
           <a:p>
             <a:fld id="{16286276-9013-2A43-82D1-BA4685C95117}" type="datetimeFigureOut">
-              <a:t>3/23/25</a:t>
+              <a:t>7/30/25</a:t>
             </a:fld>
             <a:endParaRPr lang="en-US"/>
           </a:p>
@@ -1398,7 +1398,7 @@
           <a:lstStyle/>
           <a:p>
             <a:fld id="{16286276-9013-2A43-82D1-BA4685C95117}" type="datetimeFigureOut">
-              <a:t>3/23/25</a:t>
+              <a:t>7/30/25</a:t>
             </a:fld>
             <a:endParaRPr lang="en-US"/>
           </a:p>
@@ -1808,7 +1808,7 @@
           <a:lstStyle/>
           <a:p>
             <a:fld id="{16286276-9013-2A43-82D1-BA4685C95117}" type="datetimeFigureOut">
-              <a:t>3/23/25</a:t>
+              <a:t>7/30/25</a:t>
             </a:fld>
             <a:endParaRPr lang="en-US"/>
           </a:p>
@@ -1947,7 +1947,7 @@
           <a:lstStyle/>
           <a:p>
             <a:fld id="{16286276-9013-2A43-82D1-BA4685C95117}" type="datetimeFigureOut">
-              <a:t>3/23/25</a:t>
+              <a:t>7/30/25</a:t>
             </a:fld>
             <a:endParaRPr lang="en-US"/>
           </a:p>
@@ -2058,7 +2058,7 @@
           <a:lstStyle/>
           <a:p>
             <a:fld id="{16286276-9013-2A43-82D1-BA4685C95117}" type="datetimeFigureOut">
-              <a:t>3/23/25</a:t>
+              <a:t>7/30/25</a:t>
             </a:fld>
             <a:endParaRPr lang="en-US"/>
           </a:p>
@@ -2367,7 +2367,7 @@
           <a:lstStyle/>
           <a:p>
             <a:fld id="{16286276-9013-2A43-82D1-BA4685C95117}" type="datetimeFigureOut">
-              <a:t>3/23/25</a:t>
+              <a:t>7/30/25</a:t>
             </a:fld>
             <a:endParaRPr lang="en-US"/>
           </a:p>
@@ -2653,7 +2653,7 @@
           <a:lstStyle/>
           <a:p>
             <a:fld id="{16286276-9013-2A43-82D1-BA4685C95117}" type="datetimeFigureOut">
-              <a:t>3/23/25</a:t>
+              <a:t>7/30/25</a:t>
             </a:fld>
             <a:endParaRPr lang="en-US"/>
           </a:p>
@@ -2892,7 +2892,7 @@
           </a:lstStyle>
           <a:p>
             <a:fld id="{16286276-9013-2A43-82D1-BA4685C95117}" type="datetimeFigureOut">
-              <a:t>3/23/25</a:t>
+              <a:t>7/30/25</a:t>
             </a:fld>
             <a:endParaRPr lang="en-US"/>
           </a:p>
@@ -7785,21 +7785,21 @@
           <a:lstStyle/>
           <a:p>
             <a:r>
-              <a:rPr lang="en-US" sz="1400"/>
+              <a:rPr lang="en-US" sz="1400" dirty="0"/>
               <a:t>Agri-Fab Inc 45-0546 52" Lawn Sweeper, Black</a:t>
             </a:r>
           </a:p>
           <a:p>
-            <a:endParaRPr lang="en-US" sz="1400"/>
-          </a:p>
-          <a:p>
-            <a:r>
-              <a:rPr lang="en-US" sz="1400">
+            <a:endParaRPr lang="en-US" sz="1400" dirty="0"/>
+          </a:p>
+          <a:p>
+            <a:r>
+              <a:rPr lang="en-US" sz="1400" dirty="0">
                 <a:hlinkClick r:id="rId3"/>
               </a:rPr>
               <a:t>https://www.amazon.com/gp/product/B07KMX858N/</a:t>
             </a:r>
-            <a:endParaRPr lang="en-US" sz="1400"/>
+            <a:endParaRPr lang="en-US" sz="1400" dirty="0"/>
           </a:p>
         </p:txBody>
       </p:sp>
@@ -8338,7 +8338,7 @@
         </p:nvSpPr>
         <p:spPr>
           <a:xfrm>
-            <a:off x="8525354" y="3599926"/>
+            <a:off x="8193576" y="3656745"/>
             <a:ext cx="1739402" cy="1384995"/>
           </a:xfrm>
           <a:prstGeom prst="rect">
@@ -8425,7 +8425,7 @@
                 <a:effectLst/>
                 <a:latin typeface="Google Sans"/>
               </a:rPr>
-              <a:t> (470k)</a:t>
+              <a:t> (470kg)</a:t>
             </a:r>
             <a:endParaRPr lang="en-US" sz="1200" b="1" dirty="0"/>
           </a:p>
